--- a/2023/UNIT_2/WIP/UNIT-2-PART-1.pptx
+++ b/2023/UNIT_2/WIP/UNIT-2-PART-1.pptx
@@ -9236,7 +9236,7 @@
           <a:p>
             <a:fld id="{B5667A7E-6623-4809-9050-84DEB245CE21}" type="datetimeFigureOut">
               <a:rPr lang="en-US" smtClean="0"/>
-              <a:t>8/3/2023</a:t>
+              <a:t>8/4/2023</a:t>
             </a:fld>
             <a:endParaRPr lang="en-US"/>
           </a:p>
@@ -9406,7 +9406,7 @@
           <a:p>
             <a:fld id="{B5667A7E-6623-4809-9050-84DEB245CE21}" type="datetimeFigureOut">
               <a:rPr lang="en-US" smtClean="0"/>
-              <a:t>8/3/2023</a:t>
+              <a:t>8/4/2023</a:t>
             </a:fld>
             <a:endParaRPr lang="en-US"/>
           </a:p>
@@ -9586,7 +9586,7 @@
           <a:p>
             <a:fld id="{B5667A7E-6623-4809-9050-84DEB245CE21}" type="datetimeFigureOut">
               <a:rPr lang="en-US" smtClean="0"/>
-              <a:t>8/3/2023</a:t>
+              <a:t>8/4/2023</a:t>
             </a:fld>
             <a:endParaRPr lang="en-US"/>
           </a:p>
@@ -9756,7 +9756,7 @@
           <a:p>
             <a:fld id="{B5667A7E-6623-4809-9050-84DEB245CE21}" type="datetimeFigureOut">
               <a:rPr lang="en-US" smtClean="0"/>
-              <a:t>8/3/2023</a:t>
+              <a:t>8/4/2023</a:t>
             </a:fld>
             <a:endParaRPr lang="en-US"/>
           </a:p>
@@ -10000,7 +10000,7 @@
           <a:p>
             <a:fld id="{B5667A7E-6623-4809-9050-84DEB245CE21}" type="datetimeFigureOut">
               <a:rPr lang="en-US" smtClean="0"/>
-              <a:t>8/3/2023</a:t>
+              <a:t>8/4/2023</a:t>
             </a:fld>
             <a:endParaRPr lang="en-US"/>
           </a:p>
@@ -10232,7 +10232,7 @@
           <a:p>
             <a:fld id="{B5667A7E-6623-4809-9050-84DEB245CE21}" type="datetimeFigureOut">
               <a:rPr lang="en-US" smtClean="0"/>
-              <a:t>8/3/2023</a:t>
+              <a:t>8/4/2023</a:t>
             </a:fld>
             <a:endParaRPr lang="en-US"/>
           </a:p>
@@ -10599,7 +10599,7 @@
           <a:p>
             <a:fld id="{B5667A7E-6623-4809-9050-84DEB245CE21}" type="datetimeFigureOut">
               <a:rPr lang="en-US" smtClean="0"/>
-              <a:t>8/3/2023</a:t>
+              <a:t>8/4/2023</a:t>
             </a:fld>
             <a:endParaRPr lang="en-US"/>
           </a:p>
@@ -10717,7 +10717,7 @@
           <a:p>
             <a:fld id="{B5667A7E-6623-4809-9050-84DEB245CE21}" type="datetimeFigureOut">
               <a:rPr lang="en-US" smtClean="0"/>
-              <a:t>8/3/2023</a:t>
+              <a:t>8/4/2023</a:t>
             </a:fld>
             <a:endParaRPr lang="en-US"/>
           </a:p>
@@ -10812,7 +10812,7 @@
           <a:p>
             <a:fld id="{B5667A7E-6623-4809-9050-84DEB245CE21}" type="datetimeFigureOut">
               <a:rPr lang="en-US" smtClean="0"/>
-              <a:t>8/3/2023</a:t>
+              <a:t>8/4/2023</a:t>
             </a:fld>
             <a:endParaRPr lang="en-US"/>
           </a:p>
@@ -11089,7 +11089,7 @@
           <a:p>
             <a:fld id="{B5667A7E-6623-4809-9050-84DEB245CE21}" type="datetimeFigureOut">
               <a:rPr lang="en-US" smtClean="0"/>
-              <a:t>8/3/2023</a:t>
+              <a:t>8/4/2023</a:t>
             </a:fld>
             <a:endParaRPr lang="en-US"/>
           </a:p>
@@ -11346,7 +11346,7 @@
           <a:p>
             <a:fld id="{B5667A7E-6623-4809-9050-84DEB245CE21}" type="datetimeFigureOut">
               <a:rPr lang="en-US" smtClean="0"/>
-              <a:t>8/3/2023</a:t>
+              <a:t>8/4/2023</a:t>
             </a:fld>
             <a:endParaRPr lang="en-US"/>
           </a:p>
@@ -11559,7 +11559,7 @@
           <a:p>
             <a:fld id="{B5667A7E-6623-4809-9050-84DEB245CE21}" type="datetimeFigureOut">
               <a:rPr lang="en-US" smtClean="0"/>
-              <a:t>8/3/2023</a:t>
+              <a:t>8/4/2023</a:t>
             </a:fld>
             <a:endParaRPr lang="en-US"/>
           </a:p>
@@ -13469,7 +13469,11 @@
             <a:pPr algn="just"/>
             <a:r>
               <a:rPr lang="en-US" sz="2600" b="0" i="0" u="none" strike="noStrike" baseline="0" dirty="0"/>
-              <a:t>spaces to the specified length when stored</a:t>
+              <a:t>spaces to the </a:t>
+            </a:r>
+            <a:r>
+              <a:rPr lang="en-US" sz="2600" b="0" i="0" u="none" strike="noStrike" baseline="0"/>
+              <a:t>specified length.</a:t>
             </a:r>
             <a:endParaRPr lang="en-US" sz="2600" dirty="0"/>
           </a:p>

--- a/2023/UNIT_2/WIP/UNIT-2-PART-1.pptx
+++ b/2023/UNIT_2/WIP/UNIT-2-PART-1.pptx
@@ -53,6 +53,11 @@
     <p:sldId id="361" r:id="rId47"/>
     <p:sldId id="362" r:id="rId48"/>
     <p:sldId id="363" r:id="rId49"/>
+    <p:sldId id="365" r:id="rId50"/>
+    <p:sldId id="366" r:id="rId51"/>
+    <p:sldId id="367" r:id="rId52"/>
+    <p:sldId id="368" r:id="rId53"/>
+    <p:sldId id="369" r:id="rId54"/>
   </p:sldIdLst>
   <p:sldSz cx="9144000" cy="6858000" type="screen4x3"/>
   <p:notesSz cx="6858000" cy="9144000"/>
@@ -33289,6 +33294,434 @@
 </p:sld>
 </file>
 
+<file path=ppt/slides/slide49.xml><?xml version="1.0" encoding="utf-8"?>
+<p:sld xmlns:a="http://schemas.openxmlformats.org/drawingml/2006/main" xmlns:r="http://schemas.openxmlformats.org/officeDocument/2006/relationships" xmlns:p="http://schemas.openxmlformats.org/presentationml/2006/main">
+  <p:cSld>
+    <p:spTree>
+      <p:nvGrpSpPr>
+        <p:cNvPr id="1" name=""/>
+        <p:cNvGrpSpPr/>
+        <p:nvPr/>
+      </p:nvGrpSpPr>
+      <p:grpSpPr>
+        <a:xfrm>
+          <a:off x="0" y="0"/>
+          <a:ext cx="0" cy="0"/>
+          <a:chOff x="0" y="0"/>
+          <a:chExt cx="0" cy="0"/>
+        </a:xfrm>
+      </p:grpSpPr>
+      <p:sp>
+        <p:nvSpPr>
+          <p:cNvPr id="2" name="Title 1">
+            <a:extLst>
+              <a:ext uri="{FF2B5EF4-FFF2-40B4-BE49-F238E27FC236}">
+                <a16:creationId xmlns:a16="http://schemas.microsoft.com/office/drawing/2014/main" id="{1B0E7528-F0A1-EE48-D3FD-F2F7E07542CC}"/>
+              </a:ext>
+            </a:extLst>
+          </p:cNvPr>
+          <p:cNvSpPr>
+            <a:spLocks noGrp="1"/>
+          </p:cNvSpPr>
+          <p:nvPr>
+            <p:ph type="title"/>
+          </p:nvPr>
+        </p:nvSpPr>
+        <p:spPr>
+          <a:xfrm>
+            <a:off x="520152" y="374651"/>
+            <a:ext cx="8108951" cy="1325563"/>
+          </a:xfrm>
+        </p:spPr>
+        <p:txBody>
+          <a:bodyPr>
+            <a:normAutofit/>
+          </a:bodyPr>
+          <a:lstStyle/>
+          <a:p>
+            <a:r>
+              <a:rPr lang="en-US" sz="4000" dirty="0">
+                <a:latin typeface="+mn-lt"/>
+              </a:rPr>
+              <a:t>ORDER BY</a:t>
+            </a:r>
+            <a:endParaRPr lang="en-US" sz="4000" dirty="0"/>
+          </a:p>
+        </p:txBody>
+      </p:sp>
+      <p:sp>
+        <p:nvSpPr>
+          <p:cNvPr id="5" name="Rectangle: Top Corners Rounded 4">
+            <a:extLst>
+              <a:ext uri="{FF2B5EF4-FFF2-40B4-BE49-F238E27FC236}">
+                <a16:creationId xmlns:a16="http://schemas.microsoft.com/office/drawing/2014/main" id="{F7B8CC30-D7B0-36B7-EE92-26AC5FA2CAF4}"/>
+              </a:ext>
+            </a:extLst>
+          </p:cNvPr>
+          <p:cNvSpPr/>
+          <p:nvPr/>
+        </p:nvSpPr>
+        <p:spPr>
+          <a:xfrm>
+            <a:off x="520152" y="1544719"/>
+            <a:ext cx="3566073" cy="501445"/>
+          </a:xfrm>
+          <a:prstGeom prst="round2SameRect">
+            <a:avLst/>
+          </a:prstGeom>
+          <a:solidFill>
+            <a:schemeClr val="accent1">
+              <a:lumMod val="50000"/>
+            </a:schemeClr>
+          </a:solidFill>
+        </p:spPr>
+        <p:style>
+          <a:lnRef idx="2">
+            <a:schemeClr val="accent1">
+              <a:shade val="50000"/>
+            </a:schemeClr>
+          </a:lnRef>
+          <a:fillRef idx="1">
+            <a:schemeClr val="accent1"/>
+          </a:fillRef>
+          <a:effectRef idx="0">
+            <a:schemeClr val="accent1"/>
+          </a:effectRef>
+          <a:fontRef idx="minor">
+            <a:schemeClr val="lt1"/>
+          </a:fontRef>
+        </p:style>
+        <p:txBody>
+          <a:bodyPr rtlCol="0" anchor="ctr"/>
+          <a:lstStyle/>
+          <a:p>
+            <a:r>
+              <a:rPr lang="en-US" sz="2800" dirty="0"/>
+              <a:t>Sorting</a:t>
+            </a:r>
+          </a:p>
+        </p:txBody>
+      </p:sp>
+      <p:cxnSp>
+        <p:nvCxnSpPr>
+          <p:cNvPr id="9" name="Straight Connector 8">
+            <a:extLst>
+              <a:ext uri="{FF2B5EF4-FFF2-40B4-BE49-F238E27FC236}">
+                <a16:creationId xmlns:a16="http://schemas.microsoft.com/office/drawing/2014/main" id="{4225CC20-A767-84DD-7C43-FC175E2AF493}"/>
+              </a:ext>
+            </a:extLst>
+          </p:cNvPr>
+          <p:cNvCxnSpPr>
+            <a:cxnSpLocks/>
+          </p:cNvCxnSpPr>
+          <p:nvPr/>
+        </p:nvCxnSpPr>
+        <p:spPr>
+          <a:xfrm>
+            <a:off x="520152" y="2035277"/>
+            <a:ext cx="7995198" cy="0"/>
+          </a:xfrm>
+          <a:prstGeom prst="line">
+            <a:avLst/>
+          </a:prstGeom>
+          <a:ln>
+            <a:solidFill>
+              <a:schemeClr val="accent1">
+                <a:lumMod val="50000"/>
+              </a:schemeClr>
+            </a:solidFill>
+          </a:ln>
+        </p:spPr>
+        <p:style>
+          <a:lnRef idx="3">
+            <a:schemeClr val="accent1"/>
+          </a:lnRef>
+          <a:fillRef idx="0">
+            <a:schemeClr val="accent1"/>
+          </a:fillRef>
+          <a:effectRef idx="2">
+            <a:schemeClr val="accent1"/>
+          </a:effectRef>
+          <a:fontRef idx="minor">
+            <a:schemeClr val="tx1"/>
+          </a:fontRef>
+        </p:style>
+      </p:cxnSp>
+      <p:sp>
+        <p:nvSpPr>
+          <p:cNvPr id="4" name="TextBox 3">
+            <a:extLst>
+              <a:ext uri="{FF2B5EF4-FFF2-40B4-BE49-F238E27FC236}">
+                <a16:creationId xmlns:a16="http://schemas.microsoft.com/office/drawing/2014/main" id="{64B616DD-E41D-5A8D-5993-DFD169F91FD7}"/>
+              </a:ext>
+            </a:extLst>
+          </p:cNvPr>
+          <p:cNvSpPr txBox="1"/>
+          <p:nvPr/>
+        </p:nvSpPr>
+        <p:spPr>
+          <a:xfrm>
+            <a:off x="301623" y="2064791"/>
+            <a:ext cx="8509002" cy="2492990"/>
+          </a:xfrm>
+          <a:prstGeom prst="rect">
+            <a:avLst/>
+          </a:prstGeom>
+          <a:noFill/>
+        </p:spPr>
+        <p:txBody>
+          <a:bodyPr wrap="square">
+            <a:spAutoFit/>
+          </a:bodyPr>
+          <a:lstStyle/>
+          <a:p>
+            <a:pPr marL="114300" indent="0">
+              <a:buNone/>
+            </a:pPr>
+            <a:r>
+              <a:rPr lang="en-US" sz="2600" dirty="0"/>
+              <a:t>The ORDER BY keyword is used to sort the result-set in ascending or descending order.</a:t>
+            </a:r>
+          </a:p>
+          <a:p>
+            <a:pPr marL="114300" indent="0">
+              <a:buNone/>
+            </a:pPr>
+            <a:endParaRPr lang="en-US" sz="2600" dirty="0"/>
+          </a:p>
+          <a:p>
+            <a:pPr marL="114300" indent="0">
+              <a:buNone/>
+            </a:pPr>
+            <a:r>
+              <a:rPr lang="en-US" sz="2600" dirty="0"/>
+              <a:t>The ORDER BY keyword sorts the records in ascending order by default. To sort the records in descending order, use the DESC keyword.</a:t>
+            </a:r>
+          </a:p>
+        </p:txBody>
+      </p:sp>
+      <p:sp>
+        <p:nvSpPr>
+          <p:cNvPr id="3" name="TextBox 2">
+            <a:extLst>
+              <a:ext uri="{FF2B5EF4-FFF2-40B4-BE49-F238E27FC236}">
+                <a16:creationId xmlns:a16="http://schemas.microsoft.com/office/drawing/2014/main" id="{69792D70-4DEA-6D13-E6EF-153D9EAF5D21}"/>
+              </a:ext>
+            </a:extLst>
+          </p:cNvPr>
+          <p:cNvSpPr txBox="1"/>
+          <p:nvPr/>
+        </p:nvSpPr>
+        <p:spPr>
+          <a:xfrm>
+            <a:off x="2870404" y="4266840"/>
+            <a:ext cx="5838826" cy="2492990"/>
+          </a:xfrm>
+          <a:prstGeom prst="rect">
+            <a:avLst/>
+          </a:prstGeom>
+          <a:solidFill>
+            <a:schemeClr val="bg2"/>
+          </a:solidFill>
+        </p:spPr>
+        <p:txBody>
+          <a:bodyPr wrap="square">
+            <a:spAutoFit/>
+          </a:bodyPr>
+          <a:lstStyle/>
+          <a:p>
+            <a:pPr marL="114300" indent="0">
+              <a:buNone/>
+            </a:pPr>
+            <a:r>
+              <a:rPr lang="en-US" sz="2600" b="0" i="0" u="sng" dirty="0">
+                <a:solidFill>
+                  <a:srgbClr val="000000"/>
+                </a:solidFill>
+                <a:effectLst/>
+              </a:rPr>
+              <a:t>Syntax:</a:t>
+            </a:r>
+          </a:p>
+          <a:p>
+            <a:pPr marL="114300" indent="0">
+              <a:buNone/>
+            </a:pPr>
+            <a:r>
+              <a:rPr lang="en-US" sz="2600" b="0" i="0" dirty="0">
+                <a:solidFill>
+                  <a:srgbClr val="0000CD"/>
+                </a:solidFill>
+                <a:effectLst/>
+              </a:rPr>
+              <a:t>	</a:t>
+            </a:r>
+            <a:r>
+              <a:rPr lang="en-US" sz="2600" b="1" i="0" dirty="0">
+                <a:solidFill>
+                  <a:srgbClr val="0000CD"/>
+                </a:solidFill>
+                <a:effectLst/>
+              </a:rPr>
+              <a:t>SELECT</a:t>
+            </a:r>
+            <a:r>
+              <a:rPr lang="en-US" sz="2600" b="1" i="0" dirty="0">
+                <a:solidFill>
+                  <a:srgbClr val="000000"/>
+                </a:solidFill>
+                <a:effectLst/>
+              </a:rPr>
+              <a:t> </a:t>
+            </a:r>
+          </a:p>
+          <a:p>
+            <a:pPr marL="114300" indent="0">
+              <a:buNone/>
+            </a:pPr>
+            <a:r>
+              <a:rPr lang="en-US" sz="2600" dirty="0">
+                <a:solidFill>
+                  <a:srgbClr val="000000"/>
+                </a:solidFill>
+              </a:rPr>
+              <a:t>		</a:t>
+            </a:r>
+            <a:r>
+              <a:rPr lang="en-US" sz="2600" b="0" i="1" dirty="0">
+                <a:solidFill>
+                  <a:srgbClr val="000000"/>
+                </a:solidFill>
+                <a:effectLst/>
+              </a:rPr>
+              <a:t>column1</a:t>
+            </a:r>
+            <a:r>
+              <a:rPr lang="en-US" sz="2600" b="0" i="0" dirty="0">
+                <a:solidFill>
+                  <a:srgbClr val="000000"/>
+                </a:solidFill>
+                <a:effectLst/>
+              </a:rPr>
+              <a:t>,</a:t>
+            </a:r>
+            <a:r>
+              <a:rPr lang="en-US" sz="2600" b="0" i="1" dirty="0">
+                <a:solidFill>
+                  <a:srgbClr val="000000"/>
+                </a:solidFill>
+                <a:effectLst/>
+              </a:rPr>
+              <a:t> column2, column3,...</a:t>
+            </a:r>
+            <a:br>
+              <a:rPr lang="en-US" sz="2600" dirty="0"/>
+            </a:br>
+            <a:r>
+              <a:rPr lang="en-US" sz="2600" dirty="0"/>
+              <a:t>	</a:t>
+            </a:r>
+            <a:r>
+              <a:rPr lang="en-US" sz="2600" b="1" i="0" dirty="0">
+                <a:solidFill>
+                  <a:srgbClr val="0000CD"/>
+                </a:solidFill>
+                <a:effectLst/>
+              </a:rPr>
+              <a:t>FROM</a:t>
+            </a:r>
+            <a:r>
+              <a:rPr lang="en-US" sz="2600" b="0" i="0" dirty="0">
+                <a:solidFill>
+                  <a:srgbClr val="000000"/>
+                </a:solidFill>
+                <a:effectLst/>
+              </a:rPr>
+              <a:t> </a:t>
+            </a:r>
+            <a:r>
+              <a:rPr lang="en-US" sz="2600" b="0" i="1" dirty="0" err="1">
+                <a:solidFill>
+                  <a:srgbClr val="000000"/>
+                </a:solidFill>
+                <a:effectLst/>
+              </a:rPr>
+              <a:t>table_name</a:t>
+            </a:r>
+            <a:endParaRPr lang="en-US" sz="2600" b="0" i="1" dirty="0">
+              <a:solidFill>
+                <a:srgbClr val="000000"/>
+              </a:solidFill>
+              <a:effectLst/>
+            </a:endParaRPr>
+          </a:p>
+          <a:p>
+            <a:pPr marL="114300" indent="0">
+              <a:buNone/>
+            </a:pPr>
+            <a:r>
+              <a:rPr lang="en-US" sz="2600" i="1" dirty="0">
+                <a:solidFill>
+                  <a:srgbClr val="000000"/>
+                </a:solidFill>
+              </a:rPr>
+              <a:t>	</a:t>
+            </a:r>
+            <a:r>
+              <a:rPr lang="en-US" sz="2600" b="1" dirty="0">
+                <a:solidFill>
+                  <a:srgbClr val="0000CD"/>
+                </a:solidFill>
+              </a:rPr>
+              <a:t>ORDER BY</a:t>
+            </a:r>
+            <a:r>
+              <a:rPr lang="en-US" sz="2600" dirty="0">
+                <a:solidFill>
+                  <a:srgbClr val="000000"/>
+                </a:solidFill>
+              </a:rPr>
+              <a:t> col-1, col-2…</a:t>
+            </a:r>
+            <a:r>
+              <a:rPr lang="en-US" sz="2600" b="1" dirty="0">
+                <a:solidFill>
+                  <a:srgbClr val="0000CD"/>
+                </a:solidFill>
+              </a:rPr>
+              <a:t>ASC|DESC</a:t>
+            </a:r>
+            <a:r>
+              <a:rPr lang="en-US" sz="2600" i="0" dirty="0">
+                <a:solidFill>
+                  <a:srgbClr val="000000"/>
+                </a:solidFill>
+                <a:effectLst/>
+              </a:rPr>
+              <a:t>;</a:t>
+            </a:r>
+          </a:p>
+          <a:p>
+            <a:pPr marL="114300" indent="0">
+              <a:buNone/>
+            </a:pPr>
+            <a:endParaRPr lang="en-US" sz="2600" dirty="0"/>
+          </a:p>
+        </p:txBody>
+      </p:sp>
+    </p:spTree>
+    <p:extLst>
+      <p:ext uri="{BB962C8B-B14F-4D97-AF65-F5344CB8AC3E}">
+        <p14:creationId xmlns:p14="http://schemas.microsoft.com/office/powerpoint/2010/main" val="3953277918"/>
+      </p:ext>
+    </p:extLst>
+  </p:cSld>
+  <p:clrMapOvr>
+    <a:masterClrMapping/>
+  </p:clrMapOvr>
+</p:sld>
+</file>
+
 <file path=ppt/slides/slide5.xml><?xml version="1.0" encoding="utf-8"?>
 <p:sld xmlns:a="http://schemas.openxmlformats.org/drawingml/2006/main" xmlns:r="http://schemas.openxmlformats.org/officeDocument/2006/relationships" xmlns:p="http://schemas.openxmlformats.org/presentationml/2006/main">
   <p:cSld>
@@ -33739,6 +34172,1801 @@
 </p:sld>
 </file>
 
+<file path=ppt/slides/slide50.xml><?xml version="1.0" encoding="utf-8"?>
+<p:sld xmlns:a="http://schemas.openxmlformats.org/drawingml/2006/main" xmlns:r="http://schemas.openxmlformats.org/officeDocument/2006/relationships" xmlns:p="http://schemas.openxmlformats.org/presentationml/2006/main">
+  <p:cSld>
+    <p:spTree>
+      <p:nvGrpSpPr>
+        <p:cNvPr id="1" name=""/>
+        <p:cNvGrpSpPr/>
+        <p:nvPr/>
+      </p:nvGrpSpPr>
+      <p:grpSpPr>
+        <a:xfrm>
+          <a:off x="0" y="0"/>
+          <a:ext cx="0" cy="0"/>
+          <a:chOff x="0" y="0"/>
+          <a:chExt cx="0" cy="0"/>
+        </a:xfrm>
+      </p:grpSpPr>
+      <p:sp>
+        <p:nvSpPr>
+          <p:cNvPr id="2" name="Title 1">
+            <a:extLst>
+              <a:ext uri="{FF2B5EF4-FFF2-40B4-BE49-F238E27FC236}">
+                <a16:creationId xmlns:a16="http://schemas.microsoft.com/office/drawing/2014/main" id="{1B0E7528-F0A1-EE48-D3FD-F2F7E07542CC}"/>
+              </a:ext>
+            </a:extLst>
+          </p:cNvPr>
+          <p:cNvSpPr>
+            <a:spLocks noGrp="1"/>
+          </p:cNvSpPr>
+          <p:nvPr>
+            <p:ph type="title"/>
+          </p:nvPr>
+        </p:nvSpPr>
+        <p:spPr>
+          <a:xfrm>
+            <a:off x="520152" y="374651"/>
+            <a:ext cx="8108951" cy="1325563"/>
+          </a:xfrm>
+        </p:spPr>
+        <p:txBody>
+          <a:bodyPr>
+            <a:normAutofit/>
+          </a:bodyPr>
+          <a:lstStyle/>
+          <a:p>
+            <a:r>
+              <a:rPr lang="en-US" sz="4000" dirty="0">
+                <a:latin typeface="+mn-lt"/>
+              </a:rPr>
+              <a:t>ORDER BY</a:t>
+            </a:r>
+            <a:endParaRPr lang="en-US" sz="4000" dirty="0"/>
+          </a:p>
+        </p:txBody>
+      </p:sp>
+      <p:sp>
+        <p:nvSpPr>
+          <p:cNvPr id="5" name="Rectangle: Top Corners Rounded 4">
+            <a:extLst>
+              <a:ext uri="{FF2B5EF4-FFF2-40B4-BE49-F238E27FC236}">
+                <a16:creationId xmlns:a16="http://schemas.microsoft.com/office/drawing/2014/main" id="{F7B8CC30-D7B0-36B7-EE92-26AC5FA2CAF4}"/>
+              </a:ext>
+            </a:extLst>
+          </p:cNvPr>
+          <p:cNvSpPr/>
+          <p:nvPr/>
+        </p:nvSpPr>
+        <p:spPr>
+          <a:xfrm>
+            <a:off x="520152" y="1544719"/>
+            <a:ext cx="3566073" cy="501445"/>
+          </a:xfrm>
+          <a:prstGeom prst="round2SameRect">
+            <a:avLst/>
+          </a:prstGeom>
+          <a:solidFill>
+            <a:schemeClr val="accent1">
+              <a:lumMod val="50000"/>
+            </a:schemeClr>
+          </a:solidFill>
+        </p:spPr>
+        <p:style>
+          <a:lnRef idx="2">
+            <a:schemeClr val="accent1">
+              <a:shade val="50000"/>
+            </a:schemeClr>
+          </a:lnRef>
+          <a:fillRef idx="1">
+            <a:schemeClr val="accent1"/>
+          </a:fillRef>
+          <a:effectRef idx="0">
+            <a:schemeClr val="accent1"/>
+          </a:effectRef>
+          <a:fontRef idx="minor">
+            <a:schemeClr val="lt1"/>
+          </a:fontRef>
+        </p:style>
+        <p:txBody>
+          <a:bodyPr rtlCol="0" anchor="ctr"/>
+          <a:lstStyle/>
+          <a:p>
+            <a:r>
+              <a:rPr lang="en-US" sz="2800" dirty="0"/>
+              <a:t>Sorting</a:t>
+            </a:r>
+          </a:p>
+        </p:txBody>
+      </p:sp>
+      <p:cxnSp>
+        <p:nvCxnSpPr>
+          <p:cNvPr id="9" name="Straight Connector 8">
+            <a:extLst>
+              <a:ext uri="{FF2B5EF4-FFF2-40B4-BE49-F238E27FC236}">
+                <a16:creationId xmlns:a16="http://schemas.microsoft.com/office/drawing/2014/main" id="{4225CC20-A767-84DD-7C43-FC175E2AF493}"/>
+              </a:ext>
+            </a:extLst>
+          </p:cNvPr>
+          <p:cNvCxnSpPr>
+            <a:cxnSpLocks/>
+          </p:cNvCxnSpPr>
+          <p:nvPr/>
+        </p:nvCxnSpPr>
+        <p:spPr>
+          <a:xfrm>
+            <a:off x="520152" y="2035277"/>
+            <a:ext cx="7995198" cy="0"/>
+          </a:xfrm>
+          <a:prstGeom prst="line">
+            <a:avLst/>
+          </a:prstGeom>
+          <a:ln>
+            <a:solidFill>
+              <a:schemeClr val="accent1">
+                <a:lumMod val="50000"/>
+              </a:schemeClr>
+            </a:solidFill>
+          </a:ln>
+        </p:spPr>
+        <p:style>
+          <a:lnRef idx="3">
+            <a:schemeClr val="accent1"/>
+          </a:lnRef>
+          <a:fillRef idx="0">
+            <a:schemeClr val="accent1"/>
+          </a:fillRef>
+          <a:effectRef idx="2">
+            <a:schemeClr val="accent1"/>
+          </a:effectRef>
+          <a:fontRef idx="minor">
+            <a:schemeClr val="tx1"/>
+          </a:fontRef>
+        </p:style>
+      </p:cxnSp>
+      <p:sp>
+        <p:nvSpPr>
+          <p:cNvPr id="3" name="TextBox 2">
+            <a:extLst>
+              <a:ext uri="{FF2B5EF4-FFF2-40B4-BE49-F238E27FC236}">
+                <a16:creationId xmlns:a16="http://schemas.microsoft.com/office/drawing/2014/main" id="{69792D70-4DEA-6D13-E6EF-153D9EAF5D21}"/>
+              </a:ext>
+            </a:extLst>
+          </p:cNvPr>
+          <p:cNvSpPr txBox="1"/>
+          <p:nvPr/>
+        </p:nvSpPr>
+        <p:spPr>
+          <a:xfrm>
+            <a:off x="4896465" y="2213123"/>
+            <a:ext cx="3935638" cy="1754326"/>
+          </a:xfrm>
+          <a:prstGeom prst="rect">
+            <a:avLst/>
+          </a:prstGeom>
+          <a:solidFill>
+            <a:schemeClr val="bg2"/>
+          </a:solidFill>
+        </p:spPr>
+        <p:txBody>
+          <a:bodyPr wrap="square">
+            <a:spAutoFit/>
+          </a:bodyPr>
+          <a:lstStyle/>
+          <a:p>
+            <a:pPr marL="114300" indent="0">
+              <a:buNone/>
+            </a:pPr>
+            <a:r>
+              <a:rPr lang="en-US" b="0" i="0" u="sng" dirty="0">
+                <a:solidFill>
+                  <a:srgbClr val="000000"/>
+                </a:solidFill>
+                <a:effectLst/>
+              </a:rPr>
+              <a:t>Syntax:</a:t>
+            </a:r>
+          </a:p>
+          <a:p>
+            <a:pPr marL="114300" indent="0">
+              <a:buNone/>
+            </a:pPr>
+            <a:r>
+              <a:rPr lang="en-US" b="0" i="0" dirty="0">
+                <a:solidFill>
+                  <a:srgbClr val="0000CD"/>
+                </a:solidFill>
+                <a:effectLst/>
+              </a:rPr>
+              <a:t>	</a:t>
+            </a:r>
+            <a:r>
+              <a:rPr lang="en-US" b="1" i="0" dirty="0">
+                <a:solidFill>
+                  <a:srgbClr val="0000CD"/>
+                </a:solidFill>
+                <a:effectLst/>
+              </a:rPr>
+              <a:t>SELECT</a:t>
+            </a:r>
+            <a:r>
+              <a:rPr lang="en-US" b="1" i="0" dirty="0">
+                <a:solidFill>
+                  <a:srgbClr val="000000"/>
+                </a:solidFill>
+                <a:effectLst/>
+              </a:rPr>
+              <a:t> </a:t>
+            </a:r>
+          </a:p>
+          <a:p>
+            <a:pPr marL="114300" indent="0">
+              <a:buNone/>
+            </a:pPr>
+            <a:r>
+              <a:rPr lang="en-US" dirty="0">
+                <a:solidFill>
+                  <a:srgbClr val="000000"/>
+                </a:solidFill>
+              </a:rPr>
+              <a:t>		</a:t>
+            </a:r>
+            <a:r>
+              <a:rPr lang="en-US" b="0" i="1" dirty="0">
+                <a:solidFill>
+                  <a:srgbClr val="000000"/>
+                </a:solidFill>
+                <a:effectLst/>
+              </a:rPr>
+              <a:t>column1</a:t>
+            </a:r>
+            <a:r>
+              <a:rPr lang="en-US" b="0" i="0" dirty="0">
+                <a:solidFill>
+                  <a:srgbClr val="000000"/>
+                </a:solidFill>
+                <a:effectLst/>
+              </a:rPr>
+              <a:t>,</a:t>
+            </a:r>
+            <a:r>
+              <a:rPr lang="en-US" b="0" i="1" dirty="0">
+                <a:solidFill>
+                  <a:srgbClr val="000000"/>
+                </a:solidFill>
+                <a:effectLst/>
+              </a:rPr>
+              <a:t> column2,,...</a:t>
+            </a:r>
+            <a:br>
+              <a:rPr lang="en-US" dirty="0"/>
+            </a:br>
+            <a:r>
+              <a:rPr lang="en-US" dirty="0"/>
+              <a:t>	</a:t>
+            </a:r>
+            <a:r>
+              <a:rPr lang="en-US" b="1" i="0" dirty="0">
+                <a:solidFill>
+                  <a:srgbClr val="0000CD"/>
+                </a:solidFill>
+                <a:effectLst/>
+              </a:rPr>
+              <a:t>FROM</a:t>
+            </a:r>
+            <a:r>
+              <a:rPr lang="en-US" b="0" i="0" dirty="0">
+                <a:solidFill>
+                  <a:srgbClr val="000000"/>
+                </a:solidFill>
+                <a:effectLst/>
+              </a:rPr>
+              <a:t> </a:t>
+            </a:r>
+            <a:r>
+              <a:rPr lang="en-US" b="0" i="1" dirty="0" err="1">
+                <a:solidFill>
+                  <a:srgbClr val="000000"/>
+                </a:solidFill>
+                <a:effectLst/>
+              </a:rPr>
+              <a:t>table_name</a:t>
+            </a:r>
+            <a:endParaRPr lang="en-US" b="0" i="1" dirty="0">
+              <a:solidFill>
+                <a:srgbClr val="000000"/>
+              </a:solidFill>
+              <a:effectLst/>
+            </a:endParaRPr>
+          </a:p>
+          <a:p>
+            <a:pPr marL="114300" indent="0">
+              <a:buNone/>
+            </a:pPr>
+            <a:r>
+              <a:rPr lang="en-US" i="1" dirty="0">
+                <a:solidFill>
+                  <a:srgbClr val="000000"/>
+                </a:solidFill>
+              </a:rPr>
+              <a:t>	</a:t>
+            </a:r>
+            <a:r>
+              <a:rPr lang="en-US" b="1" dirty="0">
+                <a:solidFill>
+                  <a:srgbClr val="0000CD"/>
+                </a:solidFill>
+              </a:rPr>
+              <a:t>ORDER BY</a:t>
+            </a:r>
+            <a:r>
+              <a:rPr lang="en-US" dirty="0">
+                <a:solidFill>
+                  <a:srgbClr val="000000"/>
+                </a:solidFill>
+              </a:rPr>
+              <a:t> col-1, col-2…</a:t>
+            </a:r>
+            <a:r>
+              <a:rPr lang="en-US" b="1" dirty="0">
+                <a:solidFill>
+                  <a:srgbClr val="0000CD"/>
+                </a:solidFill>
+              </a:rPr>
+              <a:t>ASC|DESC</a:t>
+            </a:r>
+            <a:r>
+              <a:rPr lang="en-US" i="0" dirty="0">
+                <a:solidFill>
+                  <a:srgbClr val="000000"/>
+                </a:solidFill>
+                <a:effectLst/>
+              </a:rPr>
+              <a:t>;</a:t>
+            </a:r>
+          </a:p>
+          <a:p>
+            <a:pPr marL="114300" indent="0">
+              <a:buNone/>
+            </a:pPr>
+            <a:endParaRPr lang="en-US" dirty="0"/>
+          </a:p>
+        </p:txBody>
+      </p:sp>
+      <p:sp>
+        <p:nvSpPr>
+          <p:cNvPr id="7" name="TextBox 6">
+            <a:extLst>
+              <a:ext uri="{FF2B5EF4-FFF2-40B4-BE49-F238E27FC236}">
+                <a16:creationId xmlns:a16="http://schemas.microsoft.com/office/drawing/2014/main" id="{45985DBA-03CC-1430-BB8E-65B3996612B7}"/>
+              </a:ext>
+            </a:extLst>
+          </p:cNvPr>
+          <p:cNvSpPr txBox="1"/>
+          <p:nvPr/>
+        </p:nvSpPr>
+        <p:spPr>
+          <a:xfrm>
+            <a:off x="311897" y="2370341"/>
+            <a:ext cx="5071264" cy="1292662"/>
+          </a:xfrm>
+          <a:prstGeom prst="rect">
+            <a:avLst/>
+          </a:prstGeom>
+          <a:noFill/>
+        </p:spPr>
+        <p:txBody>
+          <a:bodyPr wrap="square">
+            <a:spAutoFit/>
+          </a:bodyPr>
+          <a:lstStyle/>
+          <a:p>
+            <a:pPr marL="114300" indent="0">
+              <a:buNone/>
+            </a:pPr>
+            <a:r>
+              <a:rPr lang="en-US" sz="2600" b="1" dirty="0"/>
+              <a:t>Example:</a:t>
+            </a:r>
+            <a:endParaRPr kumimoji="0" lang="en-US" altLang="en-US" sz="2600" b="1" i="0" u="none" strike="noStrike" cap="none" normalizeH="0" baseline="0" dirty="0">
+              <a:ln>
+                <a:noFill/>
+              </a:ln>
+              <a:solidFill>
+                <a:srgbClr val="000000"/>
+              </a:solidFill>
+              <a:effectLst/>
+            </a:endParaRPr>
+          </a:p>
+          <a:p>
+            <a:pPr marL="114300" indent="0">
+              <a:buNone/>
+            </a:pPr>
+            <a:r>
+              <a:rPr lang="en-US" sz="2600" b="0" i="0" dirty="0">
+                <a:solidFill>
+                  <a:srgbClr val="0000CD"/>
+                </a:solidFill>
+                <a:effectLst/>
+              </a:rPr>
+              <a:t>SELECT</a:t>
+            </a:r>
+            <a:r>
+              <a:rPr lang="en-US" sz="2600" b="0" i="0" dirty="0">
+                <a:solidFill>
+                  <a:srgbClr val="000000"/>
+                </a:solidFill>
+                <a:effectLst/>
+              </a:rPr>
+              <a:t> </a:t>
+            </a:r>
+            <a:r>
+              <a:rPr lang="en-US" sz="2600" b="0" i="1" dirty="0">
+                <a:solidFill>
+                  <a:srgbClr val="000000"/>
+                </a:solidFill>
+                <a:effectLst/>
+              </a:rPr>
+              <a:t>* </a:t>
+            </a:r>
+            <a:r>
+              <a:rPr lang="en-US" sz="2600" b="0" i="0" dirty="0">
+                <a:solidFill>
+                  <a:srgbClr val="0000CD"/>
+                </a:solidFill>
+                <a:effectLst/>
+              </a:rPr>
+              <a:t>FROM</a:t>
+            </a:r>
+            <a:r>
+              <a:rPr lang="en-US" sz="2600" b="0" i="0" dirty="0">
+                <a:solidFill>
+                  <a:srgbClr val="000000"/>
+                </a:solidFill>
+                <a:effectLst/>
+              </a:rPr>
+              <a:t> </a:t>
+            </a:r>
+            <a:r>
+              <a:rPr lang="en-US" sz="2600" b="0" i="1" dirty="0" err="1">
+                <a:solidFill>
+                  <a:srgbClr val="000000"/>
+                </a:solidFill>
+                <a:effectLst/>
+              </a:rPr>
+              <a:t>student_details</a:t>
+            </a:r>
+            <a:br>
+              <a:rPr lang="en-US" sz="2600" dirty="0"/>
+            </a:br>
+            <a:r>
+              <a:rPr lang="en-US" sz="2600" dirty="0">
+                <a:solidFill>
+                  <a:srgbClr val="0000CD"/>
+                </a:solidFill>
+              </a:rPr>
+              <a:t>ORDER BY </a:t>
+            </a:r>
+            <a:r>
+              <a:rPr lang="en-US" sz="2600" dirty="0"/>
+              <a:t>USN </a:t>
+            </a:r>
+            <a:r>
+              <a:rPr lang="en-US" sz="2600" dirty="0">
+                <a:solidFill>
+                  <a:srgbClr val="0000CD"/>
+                </a:solidFill>
+              </a:rPr>
+              <a:t>ASC;</a:t>
+            </a:r>
+          </a:p>
+        </p:txBody>
+      </p:sp>
+    </p:spTree>
+    <p:extLst>
+      <p:ext uri="{BB962C8B-B14F-4D97-AF65-F5344CB8AC3E}">
+        <p14:creationId xmlns:p14="http://schemas.microsoft.com/office/powerpoint/2010/main" val="2432457648"/>
+      </p:ext>
+    </p:extLst>
+  </p:cSld>
+  <p:clrMapOvr>
+    <a:masterClrMapping/>
+  </p:clrMapOvr>
+</p:sld>
+</file>
+
+<file path=ppt/slides/slide51.xml><?xml version="1.0" encoding="utf-8"?>
+<p:sld xmlns:a="http://schemas.openxmlformats.org/drawingml/2006/main" xmlns:r="http://schemas.openxmlformats.org/officeDocument/2006/relationships" xmlns:p="http://schemas.openxmlformats.org/presentationml/2006/main">
+  <p:cSld>
+    <p:spTree>
+      <p:nvGrpSpPr>
+        <p:cNvPr id="1" name=""/>
+        <p:cNvGrpSpPr/>
+        <p:nvPr/>
+      </p:nvGrpSpPr>
+      <p:grpSpPr>
+        <a:xfrm>
+          <a:off x="0" y="0"/>
+          <a:ext cx="0" cy="0"/>
+          <a:chOff x="0" y="0"/>
+          <a:chExt cx="0" cy="0"/>
+        </a:xfrm>
+      </p:grpSpPr>
+      <p:sp>
+        <p:nvSpPr>
+          <p:cNvPr id="2" name="Title 1">
+            <a:extLst>
+              <a:ext uri="{FF2B5EF4-FFF2-40B4-BE49-F238E27FC236}">
+                <a16:creationId xmlns:a16="http://schemas.microsoft.com/office/drawing/2014/main" id="{1B0E7528-F0A1-EE48-D3FD-F2F7E07542CC}"/>
+              </a:ext>
+            </a:extLst>
+          </p:cNvPr>
+          <p:cNvSpPr>
+            <a:spLocks noGrp="1"/>
+          </p:cNvSpPr>
+          <p:nvPr>
+            <p:ph type="title"/>
+          </p:nvPr>
+        </p:nvSpPr>
+        <p:spPr>
+          <a:xfrm>
+            <a:off x="520152" y="374651"/>
+            <a:ext cx="8108951" cy="1325563"/>
+          </a:xfrm>
+        </p:spPr>
+        <p:txBody>
+          <a:bodyPr>
+            <a:normAutofit/>
+          </a:bodyPr>
+          <a:lstStyle/>
+          <a:p>
+            <a:r>
+              <a:rPr lang="en-US" sz="4000" dirty="0">
+                <a:latin typeface="+mn-lt"/>
+              </a:rPr>
+              <a:t>ORDER BY</a:t>
+            </a:r>
+            <a:endParaRPr lang="en-US" sz="4000" dirty="0"/>
+          </a:p>
+        </p:txBody>
+      </p:sp>
+      <p:sp>
+        <p:nvSpPr>
+          <p:cNvPr id="5" name="Rectangle: Top Corners Rounded 4">
+            <a:extLst>
+              <a:ext uri="{FF2B5EF4-FFF2-40B4-BE49-F238E27FC236}">
+                <a16:creationId xmlns:a16="http://schemas.microsoft.com/office/drawing/2014/main" id="{F7B8CC30-D7B0-36B7-EE92-26AC5FA2CAF4}"/>
+              </a:ext>
+            </a:extLst>
+          </p:cNvPr>
+          <p:cNvSpPr/>
+          <p:nvPr/>
+        </p:nvSpPr>
+        <p:spPr>
+          <a:xfrm>
+            <a:off x="520152" y="1544719"/>
+            <a:ext cx="3566073" cy="501445"/>
+          </a:xfrm>
+          <a:prstGeom prst="round2SameRect">
+            <a:avLst/>
+          </a:prstGeom>
+          <a:solidFill>
+            <a:schemeClr val="accent1">
+              <a:lumMod val="50000"/>
+            </a:schemeClr>
+          </a:solidFill>
+        </p:spPr>
+        <p:style>
+          <a:lnRef idx="2">
+            <a:schemeClr val="accent1">
+              <a:shade val="50000"/>
+            </a:schemeClr>
+          </a:lnRef>
+          <a:fillRef idx="1">
+            <a:schemeClr val="accent1"/>
+          </a:fillRef>
+          <a:effectRef idx="0">
+            <a:schemeClr val="accent1"/>
+          </a:effectRef>
+          <a:fontRef idx="minor">
+            <a:schemeClr val="lt1"/>
+          </a:fontRef>
+        </p:style>
+        <p:txBody>
+          <a:bodyPr rtlCol="0" anchor="ctr"/>
+          <a:lstStyle/>
+          <a:p>
+            <a:r>
+              <a:rPr lang="en-US" sz="2800" dirty="0"/>
+              <a:t>Sorting</a:t>
+            </a:r>
+          </a:p>
+        </p:txBody>
+      </p:sp>
+      <p:cxnSp>
+        <p:nvCxnSpPr>
+          <p:cNvPr id="9" name="Straight Connector 8">
+            <a:extLst>
+              <a:ext uri="{FF2B5EF4-FFF2-40B4-BE49-F238E27FC236}">
+                <a16:creationId xmlns:a16="http://schemas.microsoft.com/office/drawing/2014/main" id="{4225CC20-A767-84DD-7C43-FC175E2AF493}"/>
+              </a:ext>
+            </a:extLst>
+          </p:cNvPr>
+          <p:cNvCxnSpPr>
+            <a:cxnSpLocks/>
+          </p:cNvCxnSpPr>
+          <p:nvPr/>
+        </p:nvCxnSpPr>
+        <p:spPr>
+          <a:xfrm>
+            <a:off x="520152" y="2035277"/>
+            <a:ext cx="7995198" cy="0"/>
+          </a:xfrm>
+          <a:prstGeom prst="line">
+            <a:avLst/>
+          </a:prstGeom>
+          <a:ln>
+            <a:solidFill>
+              <a:schemeClr val="accent1">
+                <a:lumMod val="50000"/>
+              </a:schemeClr>
+            </a:solidFill>
+          </a:ln>
+        </p:spPr>
+        <p:style>
+          <a:lnRef idx="3">
+            <a:schemeClr val="accent1"/>
+          </a:lnRef>
+          <a:fillRef idx="0">
+            <a:schemeClr val="accent1"/>
+          </a:fillRef>
+          <a:effectRef idx="2">
+            <a:schemeClr val="accent1"/>
+          </a:effectRef>
+          <a:fontRef idx="minor">
+            <a:schemeClr val="tx1"/>
+          </a:fontRef>
+        </p:style>
+      </p:cxnSp>
+      <p:sp>
+        <p:nvSpPr>
+          <p:cNvPr id="3" name="TextBox 2">
+            <a:extLst>
+              <a:ext uri="{FF2B5EF4-FFF2-40B4-BE49-F238E27FC236}">
+                <a16:creationId xmlns:a16="http://schemas.microsoft.com/office/drawing/2014/main" id="{69792D70-4DEA-6D13-E6EF-153D9EAF5D21}"/>
+              </a:ext>
+            </a:extLst>
+          </p:cNvPr>
+          <p:cNvSpPr txBox="1"/>
+          <p:nvPr/>
+        </p:nvSpPr>
+        <p:spPr>
+          <a:xfrm>
+            <a:off x="4896465" y="2213123"/>
+            <a:ext cx="3935638" cy="1754326"/>
+          </a:xfrm>
+          <a:prstGeom prst="rect">
+            <a:avLst/>
+          </a:prstGeom>
+          <a:solidFill>
+            <a:schemeClr val="bg2"/>
+          </a:solidFill>
+        </p:spPr>
+        <p:txBody>
+          <a:bodyPr wrap="square">
+            <a:spAutoFit/>
+          </a:bodyPr>
+          <a:lstStyle/>
+          <a:p>
+            <a:pPr marL="114300" indent="0">
+              <a:buNone/>
+            </a:pPr>
+            <a:r>
+              <a:rPr lang="en-US" b="0" i="0" u="sng" dirty="0">
+                <a:solidFill>
+                  <a:srgbClr val="000000"/>
+                </a:solidFill>
+                <a:effectLst/>
+              </a:rPr>
+              <a:t>Syntax:</a:t>
+            </a:r>
+          </a:p>
+          <a:p>
+            <a:pPr marL="114300" indent="0">
+              <a:buNone/>
+            </a:pPr>
+            <a:r>
+              <a:rPr lang="en-US" b="0" i="0" dirty="0">
+                <a:solidFill>
+                  <a:srgbClr val="0000CD"/>
+                </a:solidFill>
+                <a:effectLst/>
+              </a:rPr>
+              <a:t>	</a:t>
+            </a:r>
+            <a:r>
+              <a:rPr lang="en-US" b="1" i="0" dirty="0">
+                <a:solidFill>
+                  <a:srgbClr val="0000CD"/>
+                </a:solidFill>
+                <a:effectLst/>
+              </a:rPr>
+              <a:t>SELECT</a:t>
+            </a:r>
+            <a:r>
+              <a:rPr lang="en-US" b="1" i="0" dirty="0">
+                <a:solidFill>
+                  <a:srgbClr val="000000"/>
+                </a:solidFill>
+                <a:effectLst/>
+              </a:rPr>
+              <a:t> </a:t>
+            </a:r>
+          </a:p>
+          <a:p>
+            <a:pPr marL="114300" indent="0">
+              <a:buNone/>
+            </a:pPr>
+            <a:r>
+              <a:rPr lang="en-US" dirty="0">
+                <a:solidFill>
+                  <a:srgbClr val="000000"/>
+                </a:solidFill>
+              </a:rPr>
+              <a:t>		</a:t>
+            </a:r>
+            <a:r>
+              <a:rPr lang="en-US" b="0" i="1" dirty="0">
+                <a:solidFill>
+                  <a:srgbClr val="000000"/>
+                </a:solidFill>
+                <a:effectLst/>
+              </a:rPr>
+              <a:t>column1</a:t>
+            </a:r>
+            <a:r>
+              <a:rPr lang="en-US" b="0" i="0" dirty="0">
+                <a:solidFill>
+                  <a:srgbClr val="000000"/>
+                </a:solidFill>
+                <a:effectLst/>
+              </a:rPr>
+              <a:t>,</a:t>
+            </a:r>
+            <a:r>
+              <a:rPr lang="en-US" b="0" i="1" dirty="0">
+                <a:solidFill>
+                  <a:srgbClr val="000000"/>
+                </a:solidFill>
+                <a:effectLst/>
+              </a:rPr>
+              <a:t> column2,,...</a:t>
+            </a:r>
+            <a:br>
+              <a:rPr lang="en-US" dirty="0"/>
+            </a:br>
+            <a:r>
+              <a:rPr lang="en-US" dirty="0"/>
+              <a:t>	</a:t>
+            </a:r>
+            <a:r>
+              <a:rPr lang="en-US" b="1" i="0" dirty="0">
+                <a:solidFill>
+                  <a:srgbClr val="0000CD"/>
+                </a:solidFill>
+                <a:effectLst/>
+              </a:rPr>
+              <a:t>FROM</a:t>
+            </a:r>
+            <a:r>
+              <a:rPr lang="en-US" b="0" i="0" dirty="0">
+                <a:solidFill>
+                  <a:srgbClr val="000000"/>
+                </a:solidFill>
+                <a:effectLst/>
+              </a:rPr>
+              <a:t> </a:t>
+            </a:r>
+            <a:r>
+              <a:rPr lang="en-US" b="0" i="1" dirty="0" err="1">
+                <a:solidFill>
+                  <a:srgbClr val="000000"/>
+                </a:solidFill>
+                <a:effectLst/>
+              </a:rPr>
+              <a:t>table_name</a:t>
+            </a:r>
+            <a:endParaRPr lang="en-US" b="0" i="1" dirty="0">
+              <a:solidFill>
+                <a:srgbClr val="000000"/>
+              </a:solidFill>
+              <a:effectLst/>
+            </a:endParaRPr>
+          </a:p>
+          <a:p>
+            <a:pPr marL="114300" indent="0">
+              <a:buNone/>
+            </a:pPr>
+            <a:r>
+              <a:rPr lang="en-US" i="1" dirty="0">
+                <a:solidFill>
+                  <a:srgbClr val="000000"/>
+                </a:solidFill>
+              </a:rPr>
+              <a:t>	</a:t>
+            </a:r>
+            <a:r>
+              <a:rPr lang="en-US" b="1" dirty="0">
+                <a:solidFill>
+                  <a:srgbClr val="0000CD"/>
+                </a:solidFill>
+              </a:rPr>
+              <a:t>ORDER BY</a:t>
+            </a:r>
+            <a:r>
+              <a:rPr lang="en-US" dirty="0">
+                <a:solidFill>
+                  <a:srgbClr val="000000"/>
+                </a:solidFill>
+              </a:rPr>
+              <a:t> col-1, col-2…</a:t>
+            </a:r>
+            <a:r>
+              <a:rPr lang="en-US" b="1" dirty="0">
+                <a:solidFill>
+                  <a:srgbClr val="0000CD"/>
+                </a:solidFill>
+              </a:rPr>
+              <a:t>ASC|DESC</a:t>
+            </a:r>
+            <a:r>
+              <a:rPr lang="en-US" i="0" dirty="0">
+                <a:solidFill>
+                  <a:srgbClr val="000000"/>
+                </a:solidFill>
+                <a:effectLst/>
+              </a:rPr>
+              <a:t>;</a:t>
+            </a:r>
+          </a:p>
+          <a:p>
+            <a:pPr marL="114300" indent="0">
+              <a:buNone/>
+            </a:pPr>
+            <a:endParaRPr lang="en-US" dirty="0"/>
+          </a:p>
+        </p:txBody>
+      </p:sp>
+      <p:sp>
+        <p:nvSpPr>
+          <p:cNvPr id="6" name="TextBox 5">
+            <a:extLst>
+              <a:ext uri="{FF2B5EF4-FFF2-40B4-BE49-F238E27FC236}">
+                <a16:creationId xmlns:a16="http://schemas.microsoft.com/office/drawing/2014/main" id="{1C8E5FAE-6487-0F78-FA88-4E16B62893BC}"/>
+              </a:ext>
+            </a:extLst>
+          </p:cNvPr>
+          <p:cNvSpPr txBox="1"/>
+          <p:nvPr/>
+        </p:nvSpPr>
+        <p:spPr>
+          <a:xfrm>
+            <a:off x="311897" y="4271894"/>
+            <a:ext cx="5071264" cy="1292662"/>
+          </a:xfrm>
+          <a:prstGeom prst="rect">
+            <a:avLst/>
+          </a:prstGeom>
+          <a:noFill/>
+        </p:spPr>
+        <p:txBody>
+          <a:bodyPr wrap="square">
+            <a:spAutoFit/>
+          </a:bodyPr>
+          <a:lstStyle/>
+          <a:p>
+            <a:pPr marL="114300" indent="0">
+              <a:buNone/>
+            </a:pPr>
+            <a:r>
+              <a:rPr lang="en-US" sz="2600" b="1" dirty="0"/>
+              <a:t>Example-2:</a:t>
+            </a:r>
+            <a:endParaRPr kumimoji="0" lang="en-US" altLang="en-US" sz="2600" b="1" i="0" u="none" strike="noStrike" cap="none" normalizeH="0" baseline="0" dirty="0">
+              <a:ln>
+                <a:noFill/>
+              </a:ln>
+              <a:solidFill>
+                <a:srgbClr val="000000"/>
+              </a:solidFill>
+              <a:effectLst/>
+            </a:endParaRPr>
+          </a:p>
+          <a:p>
+            <a:pPr marL="114300" indent="0">
+              <a:buNone/>
+            </a:pPr>
+            <a:r>
+              <a:rPr lang="en-US" sz="2600" b="0" i="0" dirty="0">
+                <a:solidFill>
+                  <a:srgbClr val="0000CD"/>
+                </a:solidFill>
+                <a:effectLst/>
+              </a:rPr>
+              <a:t>SELECT</a:t>
+            </a:r>
+            <a:r>
+              <a:rPr lang="en-US" sz="2600" b="0" i="0" dirty="0">
+                <a:solidFill>
+                  <a:srgbClr val="000000"/>
+                </a:solidFill>
+                <a:effectLst/>
+              </a:rPr>
+              <a:t> </a:t>
+            </a:r>
+            <a:r>
+              <a:rPr lang="en-US" sz="2600" b="0" i="1" dirty="0">
+                <a:solidFill>
+                  <a:srgbClr val="000000"/>
+                </a:solidFill>
+                <a:effectLst/>
+              </a:rPr>
+              <a:t>* </a:t>
+            </a:r>
+            <a:r>
+              <a:rPr lang="en-US" sz="2600" b="0" i="0" dirty="0">
+                <a:solidFill>
+                  <a:srgbClr val="0000CD"/>
+                </a:solidFill>
+                <a:effectLst/>
+              </a:rPr>
+              <a:t>FROM</a:t>
+            </a:r>
+            <a:r>
+              <a:rPr lang="en-US" sz="2600" b="0" i="0" dirty="0">
+                <a:solidFill>
+                  <a:srgbClr val="000000"/>
+                </a:solidFill>
+                <a:effectLst/>
+              </a:rPr>
+              <a:t> </a:t>
+            </a:r>
+            <a:r>
+              <a:rPr lang="en-US" sz="2600" b="0" i="1" dirty="0" err="1">
+                <a:solidFill>
+                  <a:srgbClr val="000000"/>
+                </a:solidFill>
+                <a:effectLst/>
+              </a:rPr>
+              <a:t>student_details</a:t>
+            </a:r>
+            <a:br>
+              <a:rPr lang="en-US" sz="2600" dirty="0"/>
+            </a:br>
+            <a:r>
+              <a:rPr lang="en-US" sz="2600" dirty="0">
+                <a:solidFill>
+                  <a:srgbClr val="0000CD"/>
+                </a:solidFill>
+              </a:rPr>
+              <a:t>ORDER BY </a:t>
+            </a:r>
+            <a:r>
+              <a:rPr lang="en-US" sz="2600" dirty="0"/>
+              <a:t>USN </a:t>
+            </a:r>
+            <a:r>
+              <a:rPr lang="en-US" sz="2600" dirty="0">
+                <a:solidFill>
+                  <a:srgbClr val="0000CD"/>
+                </a:solidFill>
+              </a:rPr>
+              <a:t>ASC, </a:t>
+            </a:r>
+            <a:r>
+              <a:rPr lang="en-US" sz="2600" dirty="0"/>
+              <a:t>CGPA</a:t>
+            </a:r>
+            <a:r>
+              <a:rPr lang="en-US" sz="2600" dirty="0">
+                <a:solidFill>
+                  <a:srgbClr val="0000CD"/>
+                </a:solidFill>
+              </a:rPr>
+              <a:t> DESC ;</a:t>
+            </a:r>
+          </a:p>
+        </p:txBody>
+      </p:sp>
+      <p:sp>
+        <p:nvSpPr>
+          <p:cNvPr id="7" name="TextBox 6">
+            <a:extLst>
+              <a:ext uri="{FF2B5EF4-FFF2-40B4-BE49-F238E27FC236}">
+                <a16:creationId xmlns:a16="http://schemas.microsoft.com/office/drawing/2014/main" id="{45985DBA-03CC-1430-BB8E-65B3996612B7}"/>
+              </a:ext>
+            </a:extLst>
+          </p:cNvPr>
+          <p:cNvSpPr txBox="1"/>
+          <p:nvPr/>
+        </p:nvSpPr>
+        <p:spPr>
+          <a:xfrm>
+            <a:off x="311897" y="2370341"/>
+            <a:ext cx="5071264" cy="1292662"/>
+          </a:xfrm>
+          <a:prstGeom prst="rect">
+            <a:avLst/>
+          </a:prstGeom>
+          <a:noFill/>
+        </p:spPr>
+        <p:txBody>
+          <a:bodyPr wrap="square">
+            <a:spAutoFit/>
+          </a:bodyPr>
+          <a:lstStyle/>
+          <a:p>
+            <a:pPr marL="114300" indent="0">
+              <a:buNone/>
+            </a:pPr>
+            <a:r>
+              <a:rPr lang="en-US" sz="2600" b="1" dirty="0"/>
+              <a:t>Example-1:</a:t>
+            </a:r>
+            <a:endParaRPr kumimoji="0" lang="en-US" altLang="en-US" sz="2600" b="1" i="0" u="none" strike="noStrike" cap="none" normalizeH="0" baseline="0" dirty="0">
+              <a:ln>
+                <a:noFill/>
+              </a:ln>
+              <a:solidFill>
+                <a:srgbClr val="000000"/>
+              </a:solidFill>
+              <a:effectLst/>
+            </a:endParaRPr>
+          </a:p>
+          <a:p>
+            <a:pPr marL="114300" indent="0">
+              <a:buNone/>
+            </a:pPr>
+            <a:r>
+              <a:rPr lang="en-US" sz="2600" b="0" i="0" dirty="0">
+                <a:solidFill>
+                  <a:srgbClr val="0000CD"/>
+                </a:solidFill>
+                <a:effectLst/>
+              </a:rPr>
+              <a:t>SELECT</a:t>
+            </a:r>
+            <a:r>
+              <a:rPr lang="en-US" sz="2600" b="0" i="0" dirty="0">
+                <a:solidFill>
+                  <a:srgbClr val="000000"/>
+                </a:solidFill>
+                <a:effectLst/>
+              </a:rPr>
+              <a:t> </a:t>
+            </a:r>
+            <a:r>
+              <a:rPr lang="en-US" sz="2600" b="0" i="1" dirty="0">
+                <a:solidFill>
+                  <a:srgbClr val="000000"/>
+                </a:solidFill>
+                <a:effectLst/>
+              </a:rPr>
+              <a:t>* </a:t>
+            </a:r>
+            <a:r>
+              <a:rPr lang="en-US" sz="2600" b="0" i="0" dirty="0">
+                <a:solidFill>
+                  <a:srgbClr val="0000CD"/>
+                </a:solidFill>
+                <a:effectLst/>
+              </a:rPr>
+              <a:t>FROM</a:t>
+            </a:r>
+            <a:r>
+              <a:rPr lang="en-US" sz="2600" b="0" i="0" dirty="0">
+                <a:solidFill>
+                  <a:srgbClr val="000000"/>
+                </a:solidFill>
+                <a:effectLst/>
+              </a:rPr>
+              <a:t> </a:t>
+            </a:r>
+            <a:r>
+              <a:rPr lang="en-US" sz="2600" b="0" i="1" dirty="0" err="1">
+                <a:solidFill>
+                  <a:srgbClr val="000000"/>
+                </a:solidFill>
+                <a:effectLst/>
+              </a:rPr>
+              <a:t>student_details</a:t>
+            </a:r>
+            <a:br>
+              <a:rPr lang="en-US" sz="2600" dirty="0"/>
+            </a:br>
+            <a:r>
+              <a:rPr lang="en-US" sz="2600" dirty="0">
+                <a:solidFill>
+                  <a:srgbClr val="0000CD"/>
+                </a:solidFill>
+              </a:rPr>
+              <a:t>ORDER BY </a:t>
+            </a:r>
+            <a:r>
+              <a:rPr lang="en-US" sz="2600" dirty="0"/>
+              <a:t>USN </a:t>
+            </a:r>
+            <a:r>
+              <a:rPr lang="en-US" sz="2600" dirty="0">
+                <a:solidFill>
+                  <a:srgbClr val="0000CD"/>
+                </a:solidFill>
+              </a:rPr>
+              <a:t>ASC;</a:t>
+            </a:r>
+          </a:p>
+        </p:txBody>
+      </p:sp>
+    </p:spTree>
+    <p:extLst>
+      <p:ext uri="{BB962C8B-B14F-4D97-AF65-F5344CB8AC3E}">
+        <p14:creationId xmlns:p14="http://schemas.microsoft.com/office/powerpoint/2010/main" val="3034893678"/>
+      </p:ext>
+    </p:extLst>
+  </p:cSld>
+  <p:clrMapOvr>
+    <a:masterClrMapping/>
+  </p:clrMapOvr>
+</p:sld>
+</file>
+
+<file path=ppt/slides/slide52.xml><?xml version="1.0" encoding="utf-8"?>
+<p:sld xmlns:a="http://schemas.openxmlformats.org/drawingml/2006/main" xmlns:r="http://schemas.openxmlformats.org/officeDocument/2006/relationships" xmlns:p="http://schemas.openxmlformats.org/presentationml/2006/main">
+  <p:cSld>
+    <p:spTree>
+      <p:nvGrpSpPr>
+        <p:cNvPr id="1" name=""/>
+        <p:cNvGrpSpPr/>
+        <p:nvPr/>
+      </p:nvGrpSpPr>
+      <p:grpSpPr>
+        <a:xfrm>
+          <a:off x="0" y="0"/>
+          <a:ext cx="0" cy="0"/>
+          <a:chOff x="0" y="0"/>
+          <a:chExt cx="0" cy="0"/>
+        </a:xfrm>
+      </p:grpSpPr>
+      <p:sp>
+        <p:nvSpPr>
+          <p:cNvPr id="2" name="Title 1">
+            <a:extLst>
+              <a:ext uri="{FF2B5EF4-FFF2-40B4-BE49-F238E27FC236}">
+                <a16:creationId xmlns:a16="http://schemas.microsoft.com/office/drawing/2014/main" id="{1B0E7528-F0A1-EE48-D3FD-F2F7E07542CC}"/>
+              </a:ext>
+            </a:extLst>
+          </p:cNvPr>
+          <p:cNvSpPr>
+            <a:spLocks noGrp="1"/>
+          </p:cNvSpPr>
+          <p:nvPr>
+            <p:ph type="title"/>
+          </p:nvPr>
+        </p:nvSpPr>
+        <p:spPr>
+          <a:xfrm>
+            <a:off x="520152" y="374651"/>
+            <a:ext cx="8108951" cy="1325563"/>
+          </a:xfrm>
+        </p:spPr>
+        <p:txBody>
+          <a:bodyPr>
+            <a:normAutofit/>
+          </a:bodyPr>
+          <a:lstStyle/>
+          <a:p>
+            <a:r>
+              <a:rPr lang="en-US" sz="4000" dirty="0">
+                <a:latin typeface="+mn-lt"/>
+              </a:rPr>
+              <a:t>Recap</a:t>
+            </a:r>
+            <a:endParaRPr lang="en-US" sz="4000" dirty="0"/>
+          </a:p>
+        </p:txBody>
+      </p:sp>
+      <p:sp>
+        <p:nvSpPr>
+          <p:cNvPr id="5" name="Rectangle: Top Corners Rounded 4">
+            <a:extLst>
+              <a:ext uri="{FF2B5EF4-FFF2-40B4-BE49-F238E27FC236}">
+                <a16:creationId xmlns:a16="http://schemas.microsoft.com/office/drawing/2014/main" id="{F7B8CC30-D7B0-36B7-EE92-26AC5FA2CAF4}"/>
+              </a:ext>
+            </a:extLst>
+          </p:cNvPr>
+          <p:cNvSpPr/>
+          <p:nvPr/>
+        </p:nvSpPr>
+        <p:spPr>
+          <a:xfrm>
+            <a:off x="520152" y="1544719"/>
+            <a:ext cx="1357809" cy="501445"/>
+          </a:xfrm>
+          <a:prstGeom prst="round2SameRect">
+            <a:avLst/>
+          </a:prstGeom>
+          <a:solidFill>
+            <a:schemeClr val="accent1">
+              <a:lumMod val="50000"/>
+            </a:schemeClr>
+          </a:solidFill>
+        </p:spPr>
+        <p:style>
+          <a:lnRef idx="2">
+            <a:schemeClr val="accent1">
+              <a:shade val="50000"/>
+            </a:schemeClr>
+          </a:lnRef>
+          <a:fillRef idx="1">
+            <a:schemeClr val="accent1"/>
+          </a:fillRef>
+          <a:effectRef idx="0">
+            <a:schemeClr val="accent1"/>
+          </a:effectRef>
+          <a:fontRef idx="minor">
+            <a:schemeClr val="lt1"/>
+          </a:fontRef>
+        </p:style>
+        <p:txBody>
+          <a:bodyPr rtlCol="0" anchor="ctr"/>
+          <a:lstStyle/>
+          <a:p>
+            <a:r>
+              <a:rPr lang="en-US" sz="2800" dirty="0"/>
+              <a:t>MySQL</a:t>
+            </a:r>
+          </a:p>
+        </p:txBody>
+      </p:sp>
+      <p:cxnSp>
+        <p:nvCxnSpPr>
+          <p:cNvPr id="9" name="Straight Connector 8">
+            <a:extLst>
+              <a:ext uri="{FF2B5EF4-FFF2-40B4-BE49-F238E27FC236}">
+                <a16:creationId xmlns:a16="http://schemas.microsoft.com/office/drawing/2014/main" id="{4225CC20-A767-84DD-7C43-FC175E2AF493}"/>
+              </a:ext>
+            </a:extLst>
+          </p:cNvPr>
+          <p:cNvCxnSpPr>
+            <a:cxnSpLocks/>
+          </p:cNvCxnSpPr>
+          <p:nvPr/>
+        </p:nvCxnSpPr>
+        <p:spPr>
+          <a:xfrm>
+            <a:off x="520152" y="2035277"/>
+            <a:ext cx="7995198" cy="0"/>
+          </a:xfrm>
+          <a:prstGeom prst="line">
+            <a:avLst/>
+          </a:prstGeom>
+          <a:ln>
+            <a:solidFill>
+              <a:schemeClr val="accent1">
+                <a:lumMod val="50000"/>
+              </a:schemeClr>
+            </a:solidFill>
+          </a:ln>
+        </p:spPr>
+        <p:style>
+          <a:lnRef idx="3">
+            <a:schemeClr val="accent1"/>
+          </a:lnRef>
+          <a:fillRef idx="0">
+            <a:schemeClr val="accent1"/>
+          </a:fillRef>
+          <a:effectRef idx="2">
+            <a:schemeClr val="accent1"/>
+          </a:effectRef>
+          <a:fontRef idx="minor">
+            <a:schemeClr val="tx1"/>
+          </a:fontRef>
+        </p:style>
+      </p:cxnSp>
+      <p:sp>
+        <p:nvSpPr>
+          <p:cNvPr id="4" name="TextBox 3">
+            <a:extLst>
+              <a:ext uri="{FF2B5EF4-FFF2-40B4-BE49-F238E27FC236}">
+                <a16:creationId xmlns:a16="http://schemas.microsoft.com/office/drawing/2014/main" id="{C0247172-38FC-2D4D-E438-7DD4F3AF550D}"/>
+              </a:ext>
+            </a:extLst>
+          </p:cNvPr>
+          <p:cNvSpPr txBox="1"/>
+          <p:nvPr/>
+        </p:nvSpPr>
+        <p:spPr>
+          <a:xfrm>
+            <a:off x="520152" y="2172929"/>
+            <a:ext cx="4051848" cy="4278094"/>
+          </a:xfrm>
+          <a:prstGeom prst="rect">
+            <a:avLst/>
+          </a:prstGeom>
+          <a:noFill/>
+        </p:spPr>
+        <p:txBody>
+          <a:bodyPr wrap="square" rtlCol="0">
+            <a:spAutoFit/>
+          </a:bodyPr>
+          <a:lstStyle/>
+          <a:p>
+            <a:r>
+              <a:rPr lang="en-US" sz="2600" dirty="0"/>
+              <a:t>DDL</a:t>
+            </a:r>
+          </a:p>
+          <a:p>
+            <a:pPr marL="914400" lvl="1" indent="-457200">
+              <a:buFont typeface="Arial" panose="020B0604020202020204" pitchFamily="34" charset="0"/>
+              <a:buChar char="•"/>
+            </a:pPr>
+            <a:r>
+              <a:rPr lang="en-US" sz="2600" b="1" dirty="0"/>
+              <a:t>CREATE</a:t>
+            </a:r>
+          </a:p>
+          <a:p>
+            <a:pPr marL="1371600" lvl="2" indent="-457200">
+              <a:buFont typeface="Wingdings" panose="05000000000000000000" pitchFamily="2" charset="2"/>
+              <a:buChar char="§"/>
+            </a:pPr>
+            <a:r>
+              <a:rPr lang="en-US" sz="2600" dirty="0"/>
+              <a:t>DATA TYPE</a:t>
+            </a:r>
+          </a:p>
+          <a:p>
+            <a:pPr marL="1885950" lvl="3" indent="-514350">
+              <a:buFont typeface="+mj-lt"/>
+              <a:buAutoNum type="arabicPeriod"/>
+            </a:pPr>
+            <a:r>
+              <a:rPr lang="en-US" sz="2400" dirty="0"/>
+              <a:t>String</a:t>
+            </a:r>
+          </a:p>
+          <a:p>
+            <a:pPr marL="1885950" lvl="3" indent="-514350">
+              <a:buFont typeface="+mj-lt"/>
+              <a:buAutoNum type="arabicPeriod"/>
+            </a:pPr>
+            <a:r>
+              <a:rPr lang="en-US" sz="2400" dirty="0"/>
+              <a:t>Numeric</a:t>
+            </a:r>
+          </a:p>
+          <a:p>
+            <a:pPr marL="1885950" lvl="3" indent="-514350">
+              <a:buFont typeface="+mj-lt"/>
+              <a:buAutoNum type="arabicPeriod"/>
+            </a:pPr>
+            <a:r>
+              <a:rPr lang="en-US" sz="2400" dirty="0" err="1"/>
+              <a:t>DateTime</a:t>
+            </a:r>
+            <a:endParaRPr lang="en-US" sz="2400" dirty="0"/>
+          </a:p>
+          <a:p>
+            <a:pPr marL="1371600" lvl="2" indent="-457200">
+              <a:buFont typeface="Wingdings" panose="05000000000000000000" pitchFamily="2" charset="2"/>
+              <a:buChar char="§"/>
+            </a:pPr>
+            <a:r>
+              <a:rPr lang="en-US" sz="2600" dirty="0"/>
+              <a:t>CONSTRAINTS</a:t>
+            </a:r>
+          </a:p>
+          <a:p>
+            <a:pPr marL="1885950" lvl="3" indent="-514350">
+              <a:buFont typeface="+mj-lt"/>
+              <a:buAutoNum type="arabicPeriod"/>
+            </a:pPr>
+            <a:r>
+              <a:rPr lang="en-US" sz="2400" dirty="0"/>
+              <a:t>NOT NULL</a:t>
+            </a:r>
+          </a:p>
+          <a:p>
+            <a:pPr marL="1885950" lvl="3" indent="-514350">
+              <a:buFont typeface="+mj-lt"/>
+              <a:buAutoNum type="arabicPeriod"/>
+            </a:pPr>
+            <a:r>
+              <a:rPr lang="en-US" sz="2400" dirty="0"/>
+              <a:t>UNIQUE</a:t>
+            </a:r>
+          </a:p>
+          <a:p>
+            <a:pPr marL="1885950" lvl="3" indent="-514350">
+              <a:buFont typeface="+mj-lt"/>
+              <a:buAutoNum type="arabicPeriod"/>
+            </a:pPr>
+            <a:r>
+              <a:rPr lang="en-US" sz="2400" dirty="0"/>
+              <a:t>PRIMARY KEY</a:t>
+            </a:r>
+          </a:p>
+          <a:p>
+            <a:pPr marL="1885950" lvl="3" indent="-514350">
+              <a:buFont typeface="+mj-lt"/>
+              <a:buAutoNum type="arabicPeriod"/>
+            </a:pPr>
+            <a:r>
+              <a:rPr lang="en-US" sz="2400" dirty="0"/>
+              <a:t>DEFAULT</a:t>
+            </a:r>
+          </a:p>
+        </p:txBody>
+      </p:sp>
+      <p:sp>
+        <p:nvSpPr>
+          <p:cNvPr id="8" name="TextBox 7">
+            <a:extLst>
+              <a:ext uri="{FF2B5EF4-FFF2-40B4-BE49-F238E27FC236}">
+                <a16:creationId xmlns:a16="http://schemas.microsoft.com/office/drawing/2014/main" id="{4D1496AF-7A91-2B5C-DF33-0CB7D629273C}"/>
+              </a:ext>
+            </a:extLst>
+          </p:cNvPr>
+          <p:cNvSpPr txBox="1"/>
+          <p:nvPr/>
+        </p:nvSpPr>
+        <p:spPr>
+          <a:xfrm>
+            <a:off x="4572000" y="2205255"/>
+            <a:ext cx="4051848" cy="1692771"/>
+          </a:xfrm>
+          <a:prstGeom prst="rect">
+            <a:avLst/>
+          </a:prstGeom>
+          <a:noFill/>
+        </p:spPr>
+        <p:txBody>
+          <a:bodyPr wrap="square" rtlCol="0">
+            <a:spAutoFit/>
+          </a:bodyPr>
+          <a:lstStyle/>
+          <a:p>
+            <a:endParaRPr lang="en-US" sz="2600" dirty="0"/>
+          </a:p>
+          <a:p>
+            <a:pPr marL="914400" lvl="1" indent="-457200">
+              <a:buFont typeface="Arial" panose="020B0604020202020204" pitchFamily="34" charset="0"/>
+              <a:buChar char="•"/>
+            </a:pPr>
+            <a:r>
+              <a:rPr lang="en-US" sz="2600" b="1" dirty="0"/>
+              <a:t>DROP</a:t>
+            </a:r>
+          </a:p>
+          <a:p>
+            <a:pPr marL="914400" lvl="1" indent="-457200">
+              <a:buFont typeface="Arial" panose="020B0604020202020204" pitchFamily="34" charset="0"/>
+              <a:buChar char="•"/>
+            </a:pPr>
+            <a:r>
+              <a:rPr lang="en-US" sz="2600" b="1" dirty="0"/>
+              <a:t>TRUNCATE</a:t>
+            </a:r>
+          </a:p>
+          <a:p>
+            <a:pPr marL="914400" lvl="1" indent="-457200">
+              <a:buFont typeface="Arial" panose="020B0604020202020204" pitchFamily="34" charset="0"/>
+              <a:buChar char="•"/>
+            </a:pPr>
+            <a:r>
+              <a:rPr lang="en-US" sz="2600" b="1" dirty="0"/>
+              <a:t>ALTER</a:t>
+            </a:r>
+            <a:endParaRPr lang="en-US" sz="2400" dirty="0"/>
+          </a:p>
+        </p:txBody>
+      </p:sp>
+    </p:spTree>
+    <p:extLst>
+      <p:ext uri="{BB962C8B-B14F-4D97-AF65-F5344CB8AC3E}">
+        <p14:creationId xmlns:p14="http://schemas.microsoft.com/office/powerpoint/2010/main" val="1587735717"/>
+      </p:ext>
+    </p:extLst>
+  </p:cSld>
+  <p:clrMapOvr>
+    <a:masterClrMapping/>
+  </p:clrMapOvr>
+</p:sld>
+</file>
+
+<file path=ppt/slides/slide53.xml><?xml version="1.0" encoding="utf-8"?>
+<p:sld xmlns:a="http://schemas.openxmlformats.org/drawingml/2006/main" xmlns:r="http://schemas.openxmlformats.org/officeDocument/2006/relationships" xmlns:p="http://schemas.openxmlformats.org/presentationml/2006/main">
+  <p:cSld>
+    <p:spTree>
+      <p:nvGrpSpPr>
+        <p:cNvPr id="1" name=""/>
+        <p:cNvGrpSpPr/>
+        <p:nvPr/>
+      </p:nvGrpSpPr>
+      <p:grpSpPr>
+        <a:xfrm>
+          <a:off x="0" y="0"/>
+          <a:ext cx="0" cy="0"/>
+          <a:chOff x="0" y="0"/>
+          <a:chExt cx="0" cy="0"/>
+        </a:xfrm>
+      </p:grpSpPr>
+      <p:sp>
+        <p:nvSpPr>
+          <p:cNvPr id="2" name="Title 1">
+            <a:extLst>
+              <a:ext uri="{FF2B5EF4-FFF2-40B4-BE49-F238E27FC236}">
+                <a16:creationId xmlns:a16="http://schemas.microsoft.com/office/drawing/2014/main" id="{1B0E7528-F0A1-EE48-D3FD-F2F7E07542CC}"/>
+              </a:ext>
+            </a:extLst>
+          </p:cNvPr>
+          <p:cNvSpPr>
+            <a:spLocks noGrp="1"/>
+          </p:cNvSpPr>
+          <p:nvPr>
+            <p:ph type="title"/>
+          </p:nvPr>
+        </p:nvSpPr>
+        <p:spPr>
+          <a:xfrm>
+            <a:off x="520152" y="374651"/>
+            <a:ext cx="8108951" cy="1325563"/>
+          </a:xfrm>
+        </p:spPr>
+        <p:txBody>
+          <a:bodyPr>
+            <a:normAutofit/>
+          </a:bodyPr>
+          <a:lstStyle/>
+          <a:p>
+            <a:r>
+              <a:rPr lang="en-US" sz="4000" dirty="0">
+                <a:latin typeface="+mn-lt"/>
+              </a:rPr>
+              <a:t>Recap</a:t>
+            </a:r>
+            <a:endParaRPr lang="en-US" sz="4000" dirty="0"/>
+          </a:p>
+        </p:txBody>
+      </p:sp>
+      <p:sp>
+        <p:nvSpPr>
+          <p:cNvPr id="5" name="Rectangle: Top Corners Rounded 4">
+            <a:extLst>
+              <a:ext uri="{FF2B5EF4-FFF2-40B4-BE49-F238E27FC236}">
+                <a16:creationId xmlns:a16="http://schemas.microsoft.com/office/drawing/2014/main" id="{F7B8CC30-D7B0-36B7-EE92-26AC5FA2CAF4}"/>
+              </a:ext>
+            </a:extLst>
+          </p:cNvPr>
+          <p:cNvSpPr/>
+          <p:nvPr/>
+        </p:nvSpPr>
+        <p:spPr>
+          <a:xfrm>
+            <a:off x="520152" y="1544719"/>
+            <a:ext cx="1357809" cy="501445"/>
+          </a:xfrm>
+          <a:prstGeom prst="round2SameRect">
+            <a:avLst/>
+          </a:prstGeom>
+          <a:solidFill>
+            <a:schemeClr val="accent1">
+              <a:lumMod val="50000"/>
+            </a:schemeClr>
+          </a:solidFill>
+        </p:spPr>
+        <p:style>
+          <a:lnRef idx="2">
+            <a:schemeClr val="accent1">
+              <a:shade val="50000"/>
+            </a:schemeClr>
+          </a:lnRef>
+          <a:fillRef idx="1">
+            <a:schemeClr val="accent1"/>
+          </a:fillRef>
+          <a:effectRef idx="0">
+            <a:schemeClr val="accent1"/>
+          </a:effectRef>
+          <a:fontRef idx="minor">
+            <a:schemeClr val="lt1"/>
+          </a:fontRef>
+        </p:style>
+        <p:txBody>
+          <a:bodyPr rtlCol="0" anchor="ctr"/>
+          <a:lstStyle/>
+          <a:p>
+            <a:r>
+              <a:rPr lang="en-US" sz="2800" dirty="0"/>
+              <a:t>MySQL</a:t>
+            </a:r>
+          </a:p>
+        </p:txBody>
+      </p:sp>
+      <p:cxnSp>
+        <p:nvCxnSpPr>
+          <p:cNvPr id="9" name="Straight Connector 8">
+            <a:extLst>
+              <a:ext uri="{FF2B5EF4-FFF2-40B4-BE49-F238E27FC236}">
+                <a16:creationId xmlns:a16="http://schemas.microsoft.com/office/drawing/2014/main" id="{4225CC20-A767-84DD-7C43-FC175E2AF493}"/>
+              </a:ext>
+            </a:extLst>
+          </p:cNvPr>
+          <p:cNvCxnSpPr>
+            <a:cxnSpLocks/>
+          </p:cNvCxnSpPr>
+          <p:nvPr/>
+        </p:nvCxnSpPr>
+        <p:spPr>
+          <a:xfrm>
+            <a:off x="520152" y="2035277"/>
+            <a:ext cx="7995198" cy="0"/>
+          </a:xfrm>
+          <a:prstGeom prst="line">
+            <a:avLst/>
+          </a:prstGeom>
+          <a:ln>
+            <a:solidFill>
+              <a:schemeClr val="accent1">
+                <a:lumMod val="50000"/>
+              </a:schemeClr>
+            </a:solidFill>
+          </a:ln>
+        </p:spPr>
+        <p:style>
+          <a:lnRef idx="3">
+            <a:schemeClr val="accent1"/>
+          </a:lnRef>
+          <a:fillRef idx="0">
+            <a:schemeClr val="accent1"/>
+          </a:fillRef>
+          <a:effectRef idx="2">
+            <a:schemeClr val="accent1"/>
+          </a:effectRef>
+          <a:fontRef idx="minor">
+            <a:schemeClr val="tx1"/>
+          </a:fontRef>
+        </p:style>
+      </p:cxnSp>
+      <p:sp>
+        <p:nvSpPr>
+          <p:cNvPr id="4" name="TextBox 3">
+            <a:extLst>
+              <a:ext uri="{FF2B5EF4-FFF2-40B4-BE49-F238E27FC236}">
+                <a16:creationId xmlns:a16="http://schemas.microsoft.com/office/drawing/2014/main" id="{C0247172-38FC-2D4D-E438-7DD4F3AF550D}"/>
+              </a:ext>
+            </a:extLst>
+          </p:cNvPr>
+          <p:cNvSpPr txBox="1"/>
+          <p:nvPr/>
+        </p:nvSpPr>
+        <p:spPr>
+          <a:xfrm>
+            <a:off x="520150" y="2172929"/>
+            <a:ext cx="5939643" cy="3508653"/>
+          </a:xfrm>
+          <a:prstGeom prst="rect">
+            <a:avLst/>
+          </a:prstGeom>
+          <a:noFill/>
+        </p:spPr>
+        <p:txBody>
+          <a:bodyPr wrap="square" rtlCol="0">
+            <a:spAutoFit/>
+          </a:bodyPr>
+          <a:lstStyle/>
+          <a:p>
+            <a:r>
+              <a:rPr lang="en-US" sz="2600" dirty="0"/>
+              <a:t>DML</a:t>
+            </a:r>
+          </a:p>
+          <a:p>
+            <a:pPr marL="914400" lvl="1" indent="-457200">
+              <a:buFont typeface="Arial" panose="020B0604020202020204" pitchFamily="34" charset="0"/>
+              <a:buChar char="•"/>
+            </a:pPr>
+            <a:r>
+              <a:rPr lang="en-US" sz="2600" b="1" dirty="0"/>
+              <a:t>INSERT</a:t>
+            </a:r>
+          </a:p>
+          <a:p>
+            <a:pPr marL="914400" lvl="1" indent="-457200">
+              <a:buFont typeface="Arial" panose="020B0604020202020204" pitchFamily="34" charset="0"/>
+              <a:buChar char="•"/>
+            </a:pPr>
+            <a:r>
+              <a:rPr lang="en-US" sz="2600" b="1" dirty="0"/>
+              <a:t>SELECT</a:t>
+            </a:r>
+          </a:p>
+          <a:p>
+            <a:pPr marL="1371600" lvl="2" indent="-457200">
+              <a:buFont typeface="+mj-lt"/>
+              <a:buAutoNum type="arabicPeriod"/>
+            </a:pPr>
+            <a:r>
+              <a:rPr lang="en-US" sz="2400" dirty="0"/>
+              <a:t>SELECT</a:t>
+            </a:r>
+          </a:p>
+          <a:p>
+            <a:pPr marL="1371600" lvl="2" indent="-457200">
+              <a:buFont typeface="+mj-lt"/>
+              <a:buAutoNum type="arabicPeriod"/>
+            </a:pPr>
+            <a:r>
+              <a:rPr lang="en-US" sz="2400" dirty="0"/>
+              <a:t>SELECT WITH WHERE</a:t>
+            </a:r>
+          </a:p>
+          <a:p>
+            <a:pPr marL="2286000" lvl="4" indent="-457200">
+              <a:buFont typeface="Arial" panose="020B0604020202020204" pitchFamily="34" charset="0"/>
+              <a:buChar char="•"/>
+            </a:pPr>
+            <a:r>
+              <a:rPr lang="en-US" sz="2400" dirty="0"/>
+              <a:t>OPERATORS</a:t>
+            </a:r>
+          </a:p>
+          <a:p>
+            <a:pPr marL="1371600" lvl="2" indent="-457200">
+              <a:buFont typeface="+mj-lt"/>
+              <a:buAutoNum type="arabicPeriod"/>
+            </a:pPr>
+            <a:r>
+              <a:rPr lang="en-US" sz="2400" dirty="0"/>
+              <a:t>SELECT WITH GROUP BY</a:t>
+            </a:r>
+          </a:p>
+          <a:p>
+            <a:pPr marL="2286000" lvl="4" indent="-457200">
+              <a:buFont typeface="Arial" panose="020B0604020202020204" pitchFamily="34" charset="0"/>
+              <a:buChar char="•"/>
+            </a:pPr>
+            <a:r>
+              <a:rPr lang="en-US" sz="2400" dirty="0"/>
+              <a:t>AGGREGATE FUNCTION</a:t>
+            </a:r>
+          </a:p>
+          <a:p>
+            <a:pPr marL="1371600" lvl="2" indent="-457200">
+              <a:buFont typeface="+mj-lt"/>
+              <a:buAutoNum type="arabicPeriod"/>
+            </a:pPr>
+            <a:r>
+              <a:rPr lang="en-US" sz="2400" dirty="0"/>
+              <a:t>SELECT WITH ORDER BY</a:t>
+            </a:r>
+          </a:p>
+        </p:txBody>
+      </p:sp>
+    </p:spTree>
+    <p:extLst>
+      <p:ext uri="{BB962C8B-B14F-4D97-AF65-F5344CB8AC3E}">
+        <p14:creationId xmlns:p14="http://schemas.microsoft.com/office/powerpoint/2010/main" val="2198509776"/>
+      </p:ext>
+    </p:extLst>
+  </p:cSld>
+  <p:clrMapOvr>
+    <a:masterClrMapping/>
+  </p:clrMapOvr>
+</p:sld>
+</file>
+
 <file path=ppt/slides/slide6.xml><?xml version="1.0" encoding="utf-8"?>
 <p:sld xmlns:a="http://schemas.openxmlformats.org/drawingml/2006/main" xmlns:r="http://schemas.openxmlformats.org/officeDocument/2006/relationships" xmlns:p="http://schemas.openxmlformats.org/presentationml/2006/main">
   <p:cSld>

--- a/2023/UNIT_2/WIP/UNIT-2-PART-1.pptx
+++ b/2023/UNIT_2/WIP/UNIT-2-PART-1.pptx
@@ -39,25 +39,26 @@
     <p:sldId id="320" r:id="rId33"/>
     <p:sldId id="319" r:id="rId34"/>
     <p:sldId id="322" r:id="rId35"/>
-    <p:sldId id="324" r:id="rId36"/>
-    <p:sldId id="321" r:id="rId37"/>
-    <p:sldId id="326" r:id="rId38"/>
-    <p:sldId id="327" r:id="rId39"/>
-    <p:sldId id="328" r:id="rId40"/>
-    <p:sldId id="329" r:id="rId41"/>
-    <p:sldId id="325" r:id="rId42"/>
-    <p:sldId id="348" r:id="rId43"/>
-    <p:sldId id="349" r:id="rId44"/>
-    <p:sldId id="359" r:id="rId45"/>
-    <p:sldId id="360" r:id="rId46"/>
-    <p:sldId id="361" r:id="rId47"/>
-    <p:sldId id="362" r:id="rId48"/>
-    <p:sldId id="363" r:id="rId49"/>
-    <p:sldId id="365" r:id="rId50"/>
-    <p:sldId id="366" r:id="rId51"/>
-    <p:sldId id="367" r:id="rId52"/>
-    <p:sldId id="368" r:id="rId53"/>
-    <p:sldId id="369" r:id="rId54"/>
+    <p:sldId id="370" r:id="rId36"/>
+    <p:sldId id="324" r:id="rId37"/>
+    <p:sldId id="321" r:id="rId38"/>
+    <p:sldId id="326" r:id="rId39"/>
+    <p:sldId id="327" r:id="rId40"/>
+    <p:sldId id="328" r:id="rId41"/>
+    <p:sldId id="329" r:id="rId42"/>
+    <p:sldId id="325" r:id="rId43"/>
+    <p:sldId id="348" r:id="rId44"/>
+    <p:sldId id="349" r:id="rId45"/>
+    <p:sldId id="359" r:id="rId46"/>
+    <p:sldId id="360" r:id="rId47"/>
+    <p:sldId id="361" r:id="rId48"/>
+    <p:sldId id="362" r:id="rId49"/>
+    <p:sldId id="363" r:id="rId50"/>
+    <p:sldId id="365" r:id="rId51"/>
+    <p:sldId id="366" r:id="rId52"/>
+    <p:sldId id="367" r:id="rId53"/>
+    <p:sldId id="368" r:id="rId54"/>
+    <p:sldId id="369" r:id="rId55"/>
   </p:sldIdLst>
   <p:sldSz cx="9144000" cy="6858000" type="screen4x3"/>
   <p:notesSz cx="6858000" cy="9144000"/>
@@ -26569,6 +26570,340 @@
         </p:nvSpPr>
         <p:spPr>
           <a:xfrm>
+            <a:off x="409574" y="365126"/>
+            <a:ext cx="8108951" cy="1325563"/>
+          </a:xfrm>
+        </p:spPr>
+        <p:txBody>
+          <a:bodyPr>
+            <a:normAutofit/>
+          </a:bodyPr>
+          <a:lstStyle/>
+          <a:p>
+            <a:r>
+              <a:rPr lang="en-US" sz="4000" dirty="0">
+                <a:latin typeface="+mn-lt"/>
+              </a:rPr>
+              <a:t>Data manipulation language (DML)</a:t>
+            </a:r>
+            <a:endParaRPr lang="en-US" sz="4000" dirty="0"/>
+          </a:p>
+        </p:txBody>
+      </p:sp>
+      <p:sp>
+        <p:nvSpPr>
+          <p:cNvPr id="5" name="Rectangle: Top Corners Rounded 4">
+            <a:extLst>
+              <a:ext uri="{FF2B5EF4-FFF2-40B4-BE49-F238E27FC236}">
+                <a16:creationId xmlns:a16="http://schemas.microsoft.com/office/drawing/2014/main" id="{F7B8CC30-D7B0-36B7-EE92-26AC5FA2CAF4}"/>
+              </a:ext>
+            </a:extLst>
+          </p:cNvPr>
+          <p:cNvSpPr/>
+          <p:nvPr/>
+        </p:nvSpPr>
+        <p:spPr>
+          <a:xfrm>
+            <a:off x="520152" y="1544719"/>
+            <a:ext cx="2350525" cy="501445"/>
+          </a:xfrm>
+          <a:prstGeom prst="round2SameRect">
+            <a:avLst/>
+          </a:prstGeom>
+          <a:solidFill>
+            <a:schemeClr val="accent1">
+              <a:lumMod val="50000"/>
+            </a:schemeClr>
+          </a:solidFill>
+        </p:spPr>
+        <p:style>
+          <a:lnRef idx="2">
+            <a:schemeClr val="accent1">
+              <a:shade val="50000"/>
+            </a:schemeClr>
+          </a:lnRef>
+          <a:fillRef idx="1">
+            <a:schemeClr val="accent1"/>
+          </a:fillRef>
+          <a:effectRef idx="0">
+            <a:schemeClr val="accent1"/>
+          </a:effectRef>
+          <a:fontRef idx="minor">
+            <a:schemeClr val="lt1"/>
+          </a:fontRef>
+        </p:style>
+        <p:txBody>
+          <a:bodyPr rtlCol="0" anchor="ctr"/>
+          <a:lstStyle/>
+          <a:p>
+            <a:pPr algn="ctr"/>
+            <a:r>
+              <a:rPr lang="en-US" sz="2800" dirty="0"/>
+              <a:t>INSERT</a:t>
+            </a:r>
+          </a:p>
+        </p:txBody>
+      </p:sp>
+      <p:cxnSp>
+        <p:nvCxnSpPr>
+          <p:cNvPr id="9" name="Straight Connector 8">
+            <a:extLst>
+              <a:ext uri="{FF2B5EF4-FFF2-40B4-BE49-F238E27FC236}">
+                <a16:creationId xmlns:a16="http://schemas.microsoft.com/office/drawing/2014/main" id="{4225CC20-A767-84DD-7C43-FC175E2AF493}"/>
+              </a:ext>
+            </a:extLst>
+          </p:cNvPr>
+          <p:cNvCxnSpPr>
+            <a:cxnSpLocks/>
+          </p:cNvCxnSpPr>
+          <p:nvPr/>
+        </p:nvCxnSpPr>
+        <p:spPr>
+          <a:xfrm>
+            <a:off x="520152" y="2035277"/>
+            <a:ext cx="7995198" cy="0"/>
+          </a:xfrm>
+          <a:prstGeom prst="line">
+            <a:avLst/>
+          </a:prstGeom>
+          <a:ln>
+            <a:solidFill>
+              <a:schemeClr val="accent1">
+                <a:lumMod val="50000"/>
+              </a:schemeClr>
+            </a:solidFill>
+          </a:ln>
+        </p:spPr>
+        <p:style>
+          <a:lnRef idx="3">
+            <a:schemeClr val="accent1"/>
+          </a:lnRef>
+          <a:fillRef idx="0">
+            <a:schemeClr val="accent1"/>
+          </a:fillRef>
+          <a:effectRef idx="2">
+            <a:schemeClr val="accent1"/>
+          </a:effectRef>
+          <a:fontRef idx="minor">
+            <a:schemeClr val="tx1"/>
+          </a:fontRef>
+        </p:style>
+      </p:cxnSp>
+      <p:sp>
+        <p:nvSpPr>
+          <p:cNvPr id="4" name="TextBox 3">
+            <a:extLst>
+              <a:ext uri="{FF2B5EF4-FFF2-40B4-BE49-F238E27FC236}">
+                <a16:creationId xmlns:a16="http://schemas.microsoft.com/office/drawing/2014/main" id="{DA7C56EA-9E6A-A22B-DF7C-F502DA91532B}"/>
+              </a:ext>
+            </a:extLst>
+          </p:cNvPr>
+          <p:cNvSpPr txBox="1"/>
+          <p:nvPr/>
+        </p:nvSpPr>
+        <p:spPr>
+          <a:xfrm>
+            <a:off x="508001" y="2313682"/>
+            <a:ext cx="8455024" cy="2092881"/>
+          </a:xfrm>
+          <a:prstGeom prst="rect">
+            <a:avLst/>
+          </a:prstGeom>
+          <a:noFill/>
+        </p:spPr>
+        <p:txBody>
+          <a:bodyPr wrap="square">
+            <a:spAutoFit/>
+          </a:bodyPr>
+          <a:lstStyle/>
+          <a:p>
+            <a:r>
+              <a:rPr lang="en-US" sz="2600" dirty="0"/>
+              <a:t>INSERT INTO statement is used to insert new records in a table.</a:t>
+            </a:r>
+          </a:p>
+          <a:p>
+            <a:endParaRPr lang="en-US" sz="2600" dirty="0"/>
+          </a:p>
+          <a:p>
+            <a:r>
+              <a:rPr lang="en-US" sz="2600" dirty="0"/>
+              <a:t>INSERT INTO for selected columns</a:t>
+            </a:r>
+          </a:p>
+          <a:p>
+            <a:endParaRPr lang="en-US" sz="2600" dirty="0"/>
+          </a:p>
+        </p:txBody>
+      </p:sp>
+      <p:sp>
+        <p:nvSpPr>
+          <p:cNvPr id="6" name="TextBox 5">
+            <a:extLst>
+              <a:ext uri="{FF2B5EF4-FFF2-40B4-BE49-F238E27FC236}">
+                <a16:creationId xmlns:a16="http://schemas.microsoft.com/office/drawing/2014/main" id="{DCC7469F-0E91-3161-6B6C-C78773B9DD9D}"/>
+              </a:ext>
+            </a:extLst>
+          </p:cNvPr>
+          <p:cNvSpPr txBox="1"/>
+          <p:nvPr/>
+        </p:nvSpPr>
+        <p:spPr>
+          <a:xfrm>
+            <a:off x="520152" y="4220674"/>
+            <a:ext cx="5715001" cy="2185214"/>
+          </a:xfrm>
+          <a:prstGeom prst="rect">
+            <a:avLst/>
+          </a:prstGeom>
+          <a:solidFill>
+            <a:schemeClr val="bg2"/>
+          </a:solidFill>
+        </p:spPr>
+        <p:txBody>
+          <a:bodyPr wrap="square">
+            <a:spAutoFit/>
+          </a:bodyPr>
+          <a:lstStyle/>
+          <a:p>
+            <a:pPr marL="114300" indent="0">
+              <a:buNone/>
+            </a:pPr>
+            <a:r>
+              <a:rPr lang="en-US" sz="2600" b="0" i="0" u="sng" dirty="0">
+                <a:solidFill>
+                  <a:srgbClr val="000000"/>
+                </a:solidFill>
+                <a:effectLst/>
+              </a:rPr>
+              <a:t>Syntax:</a:t>
+            </a:r>
+          </a:p>
+          <a:p>
+            <a:pPr marL="114300"/>
+            <a:r>
+              <a:rPr lang="en-US" sz="2600" b="1" dirty="0">
+                <a:solidFill>
+                  <a:srgbClr val="0000CD"/>
+                </a:solidFill>
+              </a:rPr>
+              <a:t>INSERT INTO</a:t>
+            </a:r>
+          </a:p>
+          <a:p>
+            <a:pPr marL="114300"/>
+            <a:r>
+              <a:rPr lang="en-US" sz="2600" b="1" dirty="0">
+                <a:solidFill>
+                  <a:srgbClr val="0000CD"/>
+                </a:solidFill>
+              </a:rPr>
+              <a:t>		</a:t>
+            </a:r>
+            <a:r>
+              <a:rPr lang="en-US" sz="2800" dirty="0" err="1">
+                <a:solidFill>
+                  <a:srgbClr val="FF0000"/>
+                </a:solidFill>
+              </a:rPr>
+              <a:t>table_name</a:t>
+            </a:r>
+            <a:r>
+              <a:rPr lang="en-US" sz="2800" dirty="0">
+                <a:solidFill>
+                  <a:srgbClr val="FF0000"/>
+                </a:solidFill>
+              </a:rPr>
+              <a:t> </a:t>
+            </a:r>
+            <a:r>
+              <a:rPr lang="en-US" sz="2800" dirty="0">
+                <a:solidFill>
+                  <a:schemeClr val="accent6">
+                    <a:lumMod val="50000"/>
+                  </a:schemeClr>
+                </a:solidFill>
+              </a:rPr>
+              <a:t>(col-1, col-2,…)</a:t>
+            </a:r>
+          </a:p>
+          <a:p>
+            <a:pPr marL="114300"/>
+            <a:r>
+              <a:rPr lang="en-US" sz="2600" b="1" dirty="0">
+                <a:solidFill>
+                  <a:srgbClr val="0000CD"/>
+                </a:solidFill>
+              </a:rPr>
+              <a:t>VALUES</a:t>
+            </a:r>
+            <a:r>
+              <a:rPr lang="en-US" sz="2800" dirty="0">
+                <a:solidFill>
+                  <a:srgbClr val="FF0000"/>
+                </a:solidFill>
+              </a:rPr>
+              <a:t> (‘value-1’, ‘value-2’,……);</a:t>
+            </a:r>
+          </a:p>
+          <a:p>
+            <a:pPr marL="114300"/>
+            <a:endParaRPr lang="en-US" sz="2800" dirty="0">
+              <a:solidFill>
+                <a:srgbClr val="FF0000"/>
+              </a:solidFill>
+            </a:endParaRPr>
+          </a:p>
+        </p:txBody>
+      </p:sp>
+    </p:spTree>
+    <p:extLst>
+      <p:ext uri="{BB962C8B-B14F-4D97-AF65-F5344CB8AC3E}">
+        <p14:creationId xmlns:p14="http://schemas.microsoft.com/office/powerpoint/2010/main" val="2935060553"/>
+      </p:ext>
+    </p:extLst>
+  </p:cSld>
+  <p:clrMapOvr>
+    <a:masterClrMapping/>
+  </p:clrMapOvr>
+</p:sld>
+</file>
+
+<file path=ppt/slides/slide36.xml><?xml version="1.0" encoding="utf-8"?>
+<p:sld xmlns:a="http://schemas.openxmlformats.org/drawingml/2006/main" xmlns:r="http://schemas.openxmlformats.org/officeDocument/2006/relationships" xmlns:p="http://schemas.openxmlformats.org/presentationml/2006/main">
+  <p:cSld>
+    <p:spTree>
+      <p:nvGrpSpPr>
+        <p:cNvPr id="1" name=""/>
+        <p:cNvGrpSpPr/>
+        <p:nvPr/>
+      </p:nvGrpSpPr>
+      <p:grpSpPr>
+        <a:xfrm>
+          <a:off x="0" y="0"/>
+          <a:ext cx="0" cy="0"/>
+          <a:chOff x="0" y="0"/>
+          <a:chExt cx="0" cy="0"/>
+        </a:xfrm>
+      </p:grpSpPr>
+      <p:sp>
+        <p:nvSpPr>
+          <p:cNvPr id="2" name="Title 1">
+            <a:extLst>
+              <a:ext uri="{FF2B5EF4-FFF2-40B4-BE49-F238E27FC236}">
+                <a16:creationId xmlns:a16="http://schemas.microsoft.com/office/drawing/2014/main" id="{1B0E7528-F0A1-EE48-D3FD-F2F7E07542CC}"/>
+              </a:ext>
+            </a:extLst>
+          </p:cNvPr>
+          <p:cNvSpPr>
+            <a:spLocks noGrp="1"/>
+          </p:cNvSpPr>
+          <p:nvPr>
+            <p:ph type="title"/>
+          </p:nvPr>
+        </p:nvSpPr>
+        <p:spPr>
+          <a:xfrm>
             <a:off x="419099" y="365126"/>
             <a:ext cx="8108951" cy="1325563"/>
           </a:xfrm>
@@ -27033,7 +27368,7 @@
 </p:sld>
 </file>
 
-<file path=ppt/slides/slide36.xml><?xml version="1.0" encoding="utf-8"?>
+<file path=ppt/slides/slide37.xml><?xml version="1.0" encoding="utf-8"?>
 <p:sld xmlns:a="http://schemas.openxmlformats.org/drawingml/2006/main" xmlns:r="http://schemas.openxmlformats.org/officeDocument/2006/relationships" xmlns:p="http://schemas.openxmlformats.org/presentationml/2006/main">
   <p:cSld>
     <p:spTree>
@@ -27416,7 +27751,7 @@
 </p:sld>
 </file>
 
-<file path=ppt/slides/slide37.xml><?xml version="1.0" encoding="utf-8"?>
+<file path=ppt/slides/slide38.xml><?xml version="1.0" encoding="utf-8"?>
 <p:sld xmlns:a="http://schemas.openxmlformats.org/drawingml/2006/main" xmlns:r="http://schemas.openxmlformats.org/officeDocument/2006/relationships" xmlns:p="http://schemas.openxmlformats.org/presentationml/2006/main">
   <p:cSld>
     <p:spTree>
@@ -27707,7 +28042,7 @@
 </p:sld>
 </file>
 
-<file path=ppt/slides/slide38.xml><?xml version="1.0" encoding="utf-8"?>
+<file path=ppt/slides/slide39.xml><?xml version="1.0" encoding="utf-8"?>
 <p:sld xmlns:a="http://schemas.openxmlformats.org/drawingml/2006/main" xmlns:r="http://schemas.openxmlformats.org/officeDocument/2006/relationships" xmlns:p="http://schemas.openxmlformats.org/presentationml/2006/main">
   <p:cSld>
     <p:spTree>
@@ -28061,7 +28396,163 @@
 </p:sld>
 </file>
 
-<file path=ppt/slides/slide39.xml><?xml version="1.0" encoding="utf-8"?>
+<file path=ppt/slides/slide4.xml><?xml version="1.0" encoding="utf-8"?>
+<p:sld xmlns:a="http://schemas.openxmlformats.org/drawingml/2006/main" xmlns:r="http://schemas.openxmlformats.org/officeDocument/2006/relationships" xmlns:p="http://schemas.openxmlformats.org/presentationml/2006/main">
+  <p:cSld>
+    <p:spTree>
+      <p:nvGrpSpPr>
+        <p:cNvPr id="1" name=""/>
+        <p:cNvGrpSpPr/>
+        <p:nvPr/>
+      </p:nvGrpSpPr>
+      <p:grpSpPr>
+        <a:xfrm>
+          <a:off x="0" y="0"/>
+          <a:ext cx="0" cy="0"/>
+          <a:chOff x="0" y="0"/>
+          <a:chExt cx="0" cy="0"/>
+        </a:xfrm>
+      </p:grpSpPr>
+      <p:sp>
+        <p:nvSpPr>
+          <p:cNvPr id="2" name="Title 1">
+            <a:extLst>
+              <a:ext uri="{FF2B5EF4-FFF2-40B4-BE49-F238E27FC236}">
+                <a16:creationId xmlns:a16="http://schemas.microsoft.com/office/drawing/2014/main" id="{7365FF75-4868-2BF1-9AC8-230C30F8A3E7}"/>
+              </a:ext>
+            </a:extLst>
+          </p:cNvPr>
+          <p:cNvSpPr>
+            <a:spLocks noGrp="1"/>
+          </p:cNvSpPr>
+          <p:nvPr>
+            <p:ph type="title"/>
+          </p:nvPr>
+        </p:nvSpPr>
+        <p:spPr>
+          <a:xfrm>
+            <a:off x="806453" y="365126"/>
+            <a:ext cx="7886700" cy="1325563"/>
+          </a:xfrm>
+        </p:spPr>
+        <p:txBody>
+          <a:bodyPr>
+            <a:normAutofit/>
+          </a:bodyPr>
+          <a:lstStyle/>
+          <a:p>
+            <a:r>
+              <a:rPr lang="en-US" sz="4000" dirty="0">
+                <a:latin typeface="+mn-lt"/>
+              </a:rPr>
+              <a:t>Data definition language (DDL)</a:t>
+            </a:r>
+            <a:endParaRPr lang="en-US" sz="4000" dirty="0"/>
+          </a:p>
+        </p:txBody>
+      </p:sp>
+      <p:sp>
+        <p:nvSpPr>
+          <p:cNvPr id="18" name="TextBox 17">
+            <a:extLst>
+              <a:ext uri="{FF2B5EF4-FFF2-40B4-BE49-F238E27FC236}">
+                <a16:creationId xmlns:a16="http://schemas.microsoft.com/office/drawing/2014/main" id="{9E4C2393-C535-0D3C-19A6-099F5FEDDA45}"/>
+              </a:ext>
+            </a:extLst>
+          </p:cNvPr>
+          <p:cNvSpPr txBox="1"/>
+          <p:nvPr/>
+        </p:nvSpPr>
+        <p:spPr>
+          <a:xfrm>
+            <a:off x="393762" y="2104916"/>
+            <a:ext cx="7886700" cy="2893100"/>
+          </a:xfrm>
+          <a:prstGeom prst="rect">
+            <a:avLst/>
+          </a:prstGeom>
+          <a:noFill/>
+        </p:spPr>
+        <p:txBody>
+          <a:bodyPr wrap="square">
+            <a:spAutoFit/>
+          </a:bodyPr>
+          <a:lstStyle/>
+          <a:p>
+            <a:pPr marL="800100" lvl="1" indent="-342900">
+              <a:lnSpc>
+                <a:spcPct val="100000"/>
+              </a:lnSpc>
+              <a:buFont typeface="Wingdings" panose="05000000000000000000" pitchFamily="2" charset="2"/>
+              <a:buChar char="ü"/>
+            </a:pPr>
+            <a:r>
+              <a:rPr lang="en-US" sz="2600" dirty="0"/>
+              <a:t>DDL statements are used to build and modify the structure of tables in the database.</a:t>
+            </a:r>
+          </a:p>
+          <a:p>
+            <a:pPr marL="800100" lvl="1" indent="-342900">
+              <a:lnSpc>
+                <a:spcPct val="100000"/>
+              </a:lnSpc>
+              <a:buFont typeface="Wingdings" panose="05000000000000000000" pitchFamily="2" charset="2"/>
+              <a:buChar char="ü"/>
+            </a:pPr>
+            <a:endParaRPr lang="en-US" sz="2600" dirty="0"/>
+          </a:p>
+          <a:p>
+            <a:pPr marL="800100" lvl="1" indent="-342900">
+              <a:lnSpc>
+                <a:spcPct val="100000"/>
+              </a:lnSpc>
+              <a:buFont typeface="Wingdings" panose="05000000000000000000" pitchFamily="2" charset="2"/>
+              <a:buChar char="ü"/>
+            </a:pPr>
+            <a:r>
+              <a:rPr lang="en-US" sz="2600" dirty="0"/>
+              <a:t>When you execute a DDL statement, it takes effect immediately.</a:t>
+            </a:r>
+          </a:p>
+          <a:p>
+            <a:pPr marL="800100" lvl="1" indent="-342900">
+              <a:lnSpc>
+                <a:spcPct val="100000"/>
+              </a:lnSpc>
+              <a:buFont typeface="Wingdings" panose="05000000000000000000" pitchFamily="2" charset="2"/>
+              <a:buChar char="ü"/>
+            </a:pPr>
+            <a:endParaRPr lang="en-US" sz="2600" dirty="0"/>
+          </a:p>
+          <a:p>
+            <a:pPr marL="800100" lvl="1" indent="-342900">
+              <a:lnSpc>
+                <a:spcPct val="100000"/>
+              </a:lnSpc>
+              <a:buFont typeface="Wingdings" panose="05000000000000000000" pitchFamily="2" charset="2"/>
+              <a:buChar char="ü"/>
+            </a:pPr>
+            <a:r>
+              <a:rPr lang="en-US" sz="2600" dirty="0"/>
+              <a:t>It is also known as data descriptive language.</a:t>
+            </a:r>
+          </a:p>
+        </p:txBody>
+      </p:sp>
+    </p:spTree>
+    <p:extLst>
+      <p:ext uri="{BB962C8B-B14F-4D97-AF65-F5344CB8AC3E}">
+        <p14:creationId xmlns:p14="http://schemas.microsoft.com/office/powerpoint/2010/main" val="686019961"/>
+      </p:ext>
+    </p:extLst>
+  </p:cSld>
+  <p:clrMapOvr>
+    <a:masterClrMapping/>
+  </p:clrMapOvr>
+</p:sld>
+</file>
+
+<file path=ppt/slides/slide40.xml><?xml version="1.0" encoding="utf-8"?>
 <p:sld xmlns:a="http://schemas.openxmlformats.org/drawingml/2006/main" xmlns:r="http://schemas.openxmlformats.org/officeDocument/2006/relationships" xmlns:p="http://schemas.openxmlformats.org/presentationml/2006/main">
   <p:cSld>
     <p:spTree>
@@ -28478,163 +28969,7 @@
 </p:sld>
 </file>
 
-<file path=ppt/slides/slide4.xml><?xml version="1.0" encoding="utf-8"?>
-<p:sld xmlns:a="http://schemas.openxmlformats.org/drawingml/2006/main" xmlns:r="http://schemas.openxmlformats.org/officeDocument/2006/relationships" xmlns:p="http://schemas.openxmlformats.org/presentationml/2006/main">
-  <p:cSld>
-    <p:spTree>
-      <p:nvGrpSpPr>
-        <p:cNvPr id="1" name=""/>
-        <p:cNvGrpSpPr/>
-        <p:nvPr/>
-      </p:nvGrpSpPr>
-      <p:grpSpPr>
-        <a:xfrm>
-          <a:off x="0" y="0"/>
-          <a:ext cx="0" cy="0"/>
-          <a:chOff x="0" y="0"/>
-          <a:chExt cx="0" cy="0"/>
-        </a:xfrm>
-      </p:grpSpPr>
-      <p:sp>
-        <p:nvSpPr>
-          <p:cNvPr id="2" name="Title 1">
-            <a:extLst>
-              <a:ext uri="{FF2B5EF4-FFF2-40B4-BE49-F238E27FC236}">
-                <a16:creationId xmlns:a16="http://schemas.microsoft.com/office/drawing/2014/main" id="{7365FF75-4868-2BF1-9AC8-230C30F8A3E7}"/>
-              </a:ext>
-            </a:extLst>
-          </p:cNvPr>
-          <p:cNvSpPr>
-            <a:spLocks noGrp="1"/>
-          </p:cNvSpPr>
-          <p:nvPr>
-            <p:ph type="title"/>
-          </p:nvPr>
-        </p:nvSpPr>
-        <p:spPr>
-          <a:xfrm>
-            <a:off x="806453" y="365126"/>
-            <a:ext cx="7886700" cy="1325563"/>
-          </a:xfrm>
-        </p:spPr>
-        <p:txBody>
-          <a:bodyPr>
-            <a:normAutofit/>
-          </a:bodyPr>
-          <a:lstStyle/>
-          <a:p>
-            <a:r>
-              <a:rPr lang="en-US" sz="4000" dirty="0">
-                <a:latin typeface="+mn-lt"/>
-              </a:rPr>
-              <a:t>Data definition language (DDL)</a:t>
-            </a:r>
-            <a:endParaRPr lang="en-US" sz="4000" dirty="0"/>
-          </a:p>
-        </p:txBody>
-      </p:sp>
-      <p:sp>
-        <p:nvSpPr>
-          <p:cNvPr id="18" name="TextBox 17">
-            <a:extLst>
-              <a:ext uri="{FF2B5EF4-FFF2-40B4-BE49-F238E27FC236}">
-                <a16:creationId xmlns:a16="http://schemas.microsoft.com/office/drawing/2014/main" id="{9E4C2393-C535-0D3C-19A6-099F5FEDDA45}"/>
-              </a:ext>
-            </a:extLst>
-          </p:cNvPr>
-          <p:cNvSpPr txBox="1"/>
-          <p:nvPr/>
-        </p:nvSpPr>
-        <p:spPr>
-          <a:xfrm>
-            <a:off x="393762" y="2104916"/>
-            <a:ext cx="7886700" cy="2893100"/>
-          </a:xfrm>
-          <a:prstGeom prst="rect">
-            <a:avLst/>
-          </a:prstGeom>
-          <a:noFill/>
-        </p:spPr>
-        <p:txBody>
-          <a:bodyPr wrap="square">
-            <a:spAutoFit/>
-          </a:bodyPr>
-          <a:lstStyle/>
-          <a:p>
-            <a:pPr marL="800100" lvl="1" indent="-342900">
-              <a:lnSpc>
-                <a:spcPct val="100000"/>
-              </a:lnSpc>
-              <a:buFont typeface="Wingdings" panose="05000000000000000000" pitchFamily="2" charset="2"/>
-              <a:buChar char="ü"/>
-            </a:pPr>
-            <a:r>
-              <a:rPr lang="en-US" sz="2600" dirty="0"/>
-              <a:t>DDL statements are used to build and modify the structure of tables in the database.</a:t>
-            </a:r>
-          </a:p>
-          <a:p>
-            <a:pPr marL="800100" lvl="1" indent="-342900">
-              <a:lnSpc>
-                <a:spcPct val="100000"/>
-              </a:lnSpc>
-              <a:buFont typeface="Wingdings" panose="05000000000000000000" pitchFamily="2" charset="2"/>
-              <a:buChar char="ü"/>
-            </a:pPr>
-            <a:endParaRPr lang="en-US" sz="2600" dirty="0"/>
-          </a:p>
-          <a:p>
-            <a:pPr marL="800100" lvl="1" indent="-342900">
-              <a:lnSpc>
-                <a:spcPct val="100000"/>
-              </a:lnSpc>
-              <a:buFont typeface="Wingdings" panose="05000000000000000000" pitchFamily="2" charset="2"/>
-              <a:buChar char="ü"/>
-            </a:pPr>
-            <a:r>
-              <a:rPr lang="en-US" sz="2600" dirty="0"/>
-              <a:t>When you execute a DDL statement, it takes effect immediately.</a:t>
-            </a:r>
-          </a:p>
-          <a:p>
-            <a:pPr marL="800100" lvl="1" indent="-342900">
-              <a:lnSpc>
-                <a:spcPct val="100000"/>
-              </a:lnSpc>
-              <a:buFont typeface="Wingdings" panose="05000000000000000000" pitchFamily="2" charset="2"/>
-              <a:buChar char="ü"/>
-            </a:pPr>
-            <a:endParaRPr lang="en-US" sz="2600" dirty="0"/>
-          </a:p>
-          <a:p>
-            <a:pPr marL="800100" lvl="1" indent="-342900">
-              <a:lnSpc>
-                <a:spcPct val="100000"/>
-              </a:lnSpc>
-              <a:buFont typeface="Wingdings" panose="05000000000000000000" pitchFamily="2" charset="2"/>
-              <a:buChar char="ü"/>
-            </a:pPr>
-            <a:r>
-              <a:rPr lang="en-US" sz="2600" dirty="0"/>
-              <a:t>It is also known as data descriptive language.</a:t>
-            </a:r>
-          </a:p>
-        </p:txBody>
-      </p:sp>
-    </p:spTree>
-    <p:extLst>
-      <p:ext uri="{BB962C8B-B14F-4D97-AF65-F5344CB8AC3E}">
-        <p14:creationId xmlns:p14="http://schemas.microsoft.com/office/powerpoint/2010/main" val="686019961"/>
-      </p:ext>
-    </p:extLst>
-  </p:cSld>
-  <p:clrMapOvr>
-    <a:masterClrMapping/>
-  </p:clrMapOvr>
-</p:sld>
-</file>
-
-<file path=ppt/slides/slide40.xml><?xml version="1.0" encoding="utf-8"?>
+<file path=ppt/slides/slide41.xml><?xml version="1.0" encoding="utf-8"?>
 <p:sld xmlns:a="http://schemas.openxmlformats.org/drawingml/2006/main" xmlns:r="http://schemas.openxmlformats.org/officeDocument/2006/relationships" xmlns:p="http://schemas.openxmlformats.org/presentationml/2006/main">
   <p:cSld>
     <p:spTree>
@@ -29122,7 +29457,7 @@
 </p:sld>
 </file>
 
-<file path=ppt/slides/slide41.xml><?xml version="1.0" encoding="utf-8"?>
+<file path=ppt/slides/slide42.xml><?xml version="1.0" encoding="utf-8"?>
 <p:sld xmlns:a="http://schemas.openxmlformats.org/drawingml/2006/main" xmlns:r="http://schemas.openxmlformats.org/officeDocument/2006/relationships" xmlns:p="http://schemas.openxmlformats.org/presentationml/2006/main">
   <p:cSld>
     <p:spTree>
@@ -29527,7 +29862,7 @@
 </p:sld>
 </file>
 
-<file path=ppt/slides/slide42.xml><?xml version="1.0" encoding="utf-8"?>
+<file path=ppt/slides/slide43.xml><?xml version="1.0" encoding="utf-8"?>
 <p:sld xmlns:a="http://schemas.openxmlformats.org/drawingml/2006/main" xmlns:r="http://schemas.openxmlformats.org/officeDocument/2006/relationships" xmlns:p="http://schemas.openxmlformats.org/presentationml/2006/main">
   <p:cSld>
     <p:spTree>
@@ -30954,7 +31289,7 @@
 </p:sld>
 </file>
 
-<file path=ppt/slides/slide43.xml><?xml version="1.0" encoding="utf-8"?>
+<file path=ppt/slides/slide44.xml><?xml version="1.0" encoding="utf-8"?>
 <p:sld xmlns:a="http://schemas.openxmlformats.org/drawingml/2006/main" xmlns:r="http://schemas.openxmlformats.org/officeDocument/2006/relationships" xmlns:p="http://schemas.openxmlformats.org/presentationml/2006/main">
   <p:cSld>
     <p:spTree>
@@ -31290,7 +31625,7 @@
 </p:sld>
 </file>
 
-<file path=ppt/slides/slide44.xml><?xml version="1.0" encoding="utf-8"?>
+<file path=ppt/slides/slide45.xml><?xml version="1.0" encoding="utf-8"?>
 <p:sld xmlns:a="http://schemas.openxmlformats.org/drawingml/2006/main" xmlns:r="http://schemas.openxmlformats.org/officeDocument/2006/relationships" xmlns:p="http://schemas.openxmlformats.org/presentationml/2006/main">
   <p:cSld>
     <p:spTree>
@@ -31769,7 +32104,7 @@
 </p:sld>
 </file>
 
-<file path=ppt/slides/slide45.xml><?xml version="1.0" encoding="utf-8"?>
+<file path=ppt/slides/slide46.xml><?xml version="1.0" encoding="utf-8"?>
 <p:sld xmlns:a="http://schemas.openxmlformats.org/drawingml/2006/main" xmlns:r="http://schemas.openxmlformats.org/officeDocument/2006/relationships" xmlns:p="http://schemas.openxmlformats.org/presentationml/2006/main">
   <p:cSld>
     <p:spTree>
@@ -32015,7 +32350,7 @@
 </p:sld>
 </file>
 
-<file path=ppt/slides/slide46.xml><?xml version="1.0" encoding="utf-8"?>
+<file path=ppt/slides/slide47.xml><?xml version="1.0" encoding="utf-8"?>
 <p:sld xmlns:a="http://schemas.openxmlformats.org/drawingml/2006/main" xmlns:r="http://schemas.openxmlformats.org/officeDocument/2006/relationships" xmlns:p="http://schemas.openxmlformats.org/presentationml/2006/main">
   <p:cSld>
     <p:spTree>
@@ -32529,7 +32864,7 @@
 </p:sld>
 </file>
 
-<file path=ppt/slides/slide47.xml><?xml version="1.0" encoding="utf-8"?>
+<file path=ppt/slides/slide48.xml><?xml version="1.0" encoding="utf-8"?>
 <p:sld xmlns:a="http://schemas.openxmlformats.org/drawingml/2006/main" xmlns:r="http://schemas.openxmlformats.org/officeDocument/2006/relationships" xmlns:p="http://schemas.openxmlformats.org/presentationml/2006/main">
   <p:cSld>
     <p:spTree>
@@ -32748,7 +33083,7 @@
 </p:sld>
 </file>
 
-<file path=ppt/slides/slide48.xml><?xml version="1.0" encoding="utf-8"?>
+<file path=ppt/slides/slide49.xml><?xml version="1.0" encoding="utf-8"?>
 <p:sld xmlns:a="http://schemas.openxmlformats.org/drawingml/2006/main" xmlns:r="http://schemas.openxmlformats.org/officeDocument/2006/relationships" xmlns:p="http://schemas.openxmlformats.org/presentationml/2006/main">
   <p:cSld>
     <p:spTree>
@@ -33285,434 +33620,6 @@
     <p:extLst>
       <p:ext uri="{BB962C8B-B14F-4D97-AF65-F5344CB8AC3E}">
         <p14:creationId xmlns:p14="http://schemas.microsoft.com/office/powerpoint/2010/main" val="2228493185"/>
-      </p:ext>
-    </p:extLst>
-  </p:cSld>
-  <p:clrMapOvr>
-    <a:masterClrMapping/>
-  </p:clrMapOvr>
-</p:sld>
-</file>
-
-<file path=ppt/slides/slide49.xml><?xml version="1.0" encoding="utf-8"?>
-<p:sld xmlns:a="http://schemas.openxmlformats.org/drawingml/2006/main" xmlns:r="http://schemas.openxmlformats.org/officeDocument/2006/relationships" xmlns:p="http://schemas.openxmlformats.org/presentationml/2006/main">
-  <p:cSld>
-    <p:spTree>
-      <p:nvGrpSpPr>
-        <p:cNvPr id="1" name=""/>
-        <p:cNvGrpSpPr/>
-        <p:nvPr/>
-      </p:nvGrpSpPr>
-      <p:grpSpPr>
-        <a:xfrm>
-          <a:off x="0" y="0"/>
-          <a:ext cx="0" cy="0"/>
-          <a:chOff x="0" y="0"/>
-          <a:chExt cx="0" cy="0"/>
-        </a:xfrm>
-      </p:grpSpPr>
-      <p:sp>
-        <p:nvSpPr>
-          <p:cNvPr id="2" name="Title 1">
-            <a:extLst>
-              <a:ext uri="{FF2B5EF4-FFF2-40B4-BE49-F238E27FC236}">
-                <a16:creationId xmlns:a16="http://schemas.microsoft.com/office/drawing/2014/main" id="{1B0E7528-F0A1-EE48-D3FD-F2F7E07542CC}"/>
-              </a:ext>
-            </a:extLst>
-          </p:cNvPr>
-          <p:cNvSpPr>
-            <a:spLocks noGrp="1"/>
-          </p:cNvSpPr>
-          <p:nvPr>
-            <p:ph type="title"/>
-          </p:nvPr>
-        </p:nvSpPr>
-        <p:spPr>
-          <a:xfrm>
-            <a:off x="520152" y="374651"/>
-            <a:ext cx="8108951" cy="1325563"/>
-          </a:xfrm>
-        </p:spPr>
-        <p:txBody>
-          <a:bodyPr>
-            <a:normAutofit/>
-          </a:bodyPr>
-          <a:lstStyle/>
-          <a:p>
-            <a:r>
-              <a:rPr lang="en-US" sz="4000" dirty="0">
-                <a:latin typeface="+mn-lt"/>
-              </a:rPr>
-              <a:t>ORDER BY</a:t>
-            </a:r>
-            <a:endParaRPr lang="en-US" sz="4000" dirty="0"/>
-          </a:p>
-        </p:txBody>
-      </p:sp>
-      <p:sp>
-        <p:nvSpPr>
-          <p:cNvPr id="5" name="Rectangle: Top Corners Rounded 4">
-            <a:extLst>
-              <a:ext uri="{FF2B5EF4-FFF2-40B4-BE49-F238E27FC236}">
-                <a16:creationId xmlns:a16="http://schemas.microsoft.com/office/drawing/2014/main" id="{F7B8CC30-D7B0-36B7-EE92-26AC5FA2CAF4}"/>
-              </a:ext>
-            </a:extLst>
-          </p:cNvPr>
-          <p:cNvSpPr/>
-          <p:nvPr/>
-        </p:nvSpPr>
-        <p:spPr>
-          <a:xfrm>
-            <a:off x="520152" y="1544719"/>
-            <a:ext cx="3566073" cy="501445"/>
-          </a:xfrm>
-          <a:prstGeom prst="round2SameRect">
-            <a:avLst/>
-          </a:prstGeom>
-          <a:solidFill>
-            <a:schemeClr val="accent1">
-              <a:lumMod val="50000"/>
-            </a:schemeClr>
-          </a:solidFill>
-        </p:spPr>
-        <p:style>
-          <a:lnRef idx="2">
-            <a:schemeClr val="accent1">
-              <a:shade val="50000"/>
-            </a:schemeClr>
-          </a:lnRef>
-          <a:fillRef idx="1">
-            <a:schemeClr val="accent1"/>
-          </a:fillRef>
-          <a:effectRef idx="0">
-            <a:schemeClr val="accent1"/>
-          </a:effectRef>
-          <a:fontRef idx="minor">
-            <a:schemeClr val="lt1"/>
-          </a:fontRef>
-        </p:style>
-        <p:txBody>
-          <a:bodyPr rtlCol="0" anchor="ctr"/>
-          <a:lstStyle/>
-          <a:p>
-            <a:r>
-              <a:rPr lang="en-US" sz="2800" dirty="0"/>
-              <a:t>Sorting</a:t>
-            </a:r>
-          </a:p>
-        </p:txBody>
-      </p:sp>
-      <p:cxnSp>
-        <p:nvCxnSpPr>
-          <p:cNvPr id="9" name="Straight Connector 8">
-            <a:extLst>
-              <a:ext uri="{FF2B5EF4-FFF2-40B4-BE49-F238E27FC236}">
-                <a16:creationId xmlns:a16="http://schemas.microsoft.com/office/drawing/2014/main" id="{4225CC20-A767-84DD-7C43-FC175E2AF493}"/>
-              </a:ext>
-            </a:extLst>
-          </p:cNvPr>
-          <p:cNvCxnSpPr>
-            <a:cxnSpLocks/>
-          </p:cNvCxnSpPr>
-          <p:nvPr/>
-        </p:nvCxnSpPr>
-        <p:spPr>
-          <a:xfrm>
-            <a:off x="520152" y="2035277"/>
-            <a:ext cx="7995198" cy="0"/>
-          </a:xfrm>
-          <a:prstGeom prst="line">
-            <a:avLst/>
-          </a:prstGeom>
-          <a:ln>
-            <a:solidFill>
-              <a:schemeClr val="accent1">
-                <a:lumMod val="50000"/>
-              </a:schemeClr>
-            </a:solidFill>
-          </a:ln>
-        </p:spPr>
-        <p:style>
-          <a:lnRef idx="3">
-            <a:schemeClr val="accent1"/>
-          </a:lnRef>
-          <a:fillRef idx="0">
-            <a:schemeClr val="accent1"/>
-          </a:fillRef>
-          <a:effectRef idx="2">
-            <a:schemeClr val="accent1"/>
-          </a:effectRef>
-          <a:fontRef idx="minor">
-            <a:schemeClr val="tx1"/>
-          </a:fontRef>
-        </p:style>
-      </p:cxnSp>
-      <p:sp>
-        <p:nvSpPr>
-          <p:cNvPr id="4" name="TextBox 3">
-            <a:extLst>
-              <a:ext uri="{FF2B5EF4-FFF2-40B4-BE49-F238E27FC236}">
-                <a16:creationId xmlns:a16="http://schemas.microsoft.com/office/drawing/2014/main" id="{64B616DD-E41D-5A8D-5993-DFD169F91FD7}"/>
-              </a:ext>
-            </a:extLst>
-          </p:cNvPr>
-          <p:cNvSpPr txBox="1"/>
-          <p:nvPr/>
-        </p:nvSpPr>
-        <p:spPr>
-          <a:xfrm>
-            <a:off x="301623" y="2064791"/>
-            <a:ext cx="8509002" cy="2492990"/>
-          </a:xfrm>
-          <a:prstGeom prst="rect">
-            <a:avLst/>
-          </a:prstGeom>
-          <a:noFill/>
-        </p:spPr>
-        <p:txBody>
-          <a:bodyPr wrap="square">
-            <a:spAutoFit/>
-          </a:bodyPr>
-          <a:lstStyle/>
-          <a:p>
-            <a:pPr marL="114300" indent="0">
-              <a:buNone/>
-            </a:pPr>
-            <a:r>
-              <a:rPr lang="en-US" sz="2600" dirty="0"/>
-              <a:t>The ORDER BY keyword is used to sort the result-set in ascending or descending order.</a:t>
-            </a:r>
-          </a:p>
-          <a:p>
-            <a:pPr marL="114300" indent="0">
-              <a:buNone/>
-            </a:pPr>
-            <a:endParaRPr lang="en-US" sz="2600" dirty="0"/>
-          </a:p>
-          <a:p>
-            <a:pPr marL="114300" indent="0">
-              <a:buNone/>
-            </a:pPr>
-            <a:r>
-              <a:rPr lang="en-US" sz="2600" dirty="0"/>
-              <a:t>The ORDER BY keyword sorts the records in ascending order by default. To sort the records in descending order, use the DESC keyword.</a:t>
-            </a:r>
-          </a:p>
-        </p:txBody>
-      </p:sp>
-      <p:sp>
-        <p:nvSpPr>
-          <p:cNvPr id="3" name="TextBox 2">
-            <a:extLst>
-              <a:ext uri="{FF2B5EF4-FFF2-40B4-BE49-F238E27FC236}">
-                <a16:creationId xmlns:a16="http://schemas.microsoft.com/office/drawing/2014/main" id="{69792D70-4DEA-6D13-E6EF-153D9EAF5D21}"/>
-              </a:ext>
-            </a:extLst>
-          </p:cNvPr>
-          <p:cNvSpPr txBox="1"/>
-          <p:nvPr/>
-        </p:nvSpPr>
-        <p:spPr>
-          <a:xfrm>
-            <a:off x="2870404" y="4266840"/>
-            <a:ext cx="5838826" cy="2492990"/>
-          </a:xfrm>
-          <a:prstGeom prst="rect">
-            <a:avLst/>
-          </a:prstGeom>
-          <a:solidFill>
-            <a:schemeClr val="bg2"/>
-          </a:solidFill>
-        </p:spPr>
-        <p:txBody>
-          <a:bodyPr wrap="square">
-            <a:spAutoFit/>
-          </a:bodyPr>
-          <a:lstStyle/>
-          <a:p>
-            <a:pPr marL="114300" indent="0">
-              <a:buNone/>
-            </a:pPr>
-            <a:r>
-              <a:rPr lang="en-US" sz="2600" b="0" i="0" u="sng" dirty="0">
-                <a:solidFill>
-                  <a:srgbClr val="000000"/>
-                </a:solidFill>
-                <a:effectLst/>
-              </a:rPr>
-              <a:t>Syntax:</a:t>
-            </a:r>
-          </a:p>
-          <a:p>
-            <a:pPr marL="114300" indent="0">
-              <a:buNone/>
-            </a:pPr>
-            <a:r>
-              <a:rPr lang="en-US" sz="2600" b="0" i="0" dirty="0">
-                <a:solidFill>
-                  <a:srgbClr val="0000CD"/>
-                </a:solidFill>
-                <a:effectLst/>
-              </a:rPr>
-              <a:t>	</a:t>
-            </a:r>
-            <a:r>
-              <a:rPr lang="en-US" sz="2600" b="1" i="0" dirty="0">
-                <a:solidFill>
-                  <a:srgbClr val="0000CD"/>
-                </a:solidFill>
-                <a:effectLst/>
-              </a:rPr>
-              <a:t>SELECT</a:t>
-            </a:r>
-            <a:r>
-              <a:rPr lang="en-US" sz="2600" b="1" i="0" dirty="0">
-                <a:solidFill>
-                  <a:srgbClr val="000000"/>
-                </a:solidFill>
-                <a:effectLst/>
-              </a:rPr>
-              <a:t> </a:t>
-            </a:r>
-          </a:p>
-          <a:p>
-            <a:pPr marL="114300" indent="0">
-              <a:buNone/>
-            </a:pPr>
-            <a:r>
-              <a:rPr lang="en-US" sz="2600" dirty="0">
-                <a:solidFill>
-                  <a:srgbClr val="000000"/>
-                </a:solidFill>
-              </a:rPr>
-              <a:t>		</a:t>
-            </a:r>
-            <a:r>
-              <a:rPr lang="en-US" sz="2600" b="0" i="1" dirty="0">
-                <a:solidFill>
-                  <a:srgbClr val="000000"/>
-                </a:solidFill>
-                <a:effectLst/>
-              </a:rPr>
-              <a:t>column1</a:t>
-            </a:r>
-            <a:r>
-              <a:rPr lang="en-US" sz="2600" b="0" i="0" dirty="0">
-                <a:solidFill>
-                  <a:srgbClr val="000000"/>
-                </a:solidFill>
-                <a:effectLst/>
-              </a:rPr>
-              <a:t>,</a:t>
-            </a:r>
-            <a:r>
-              <a:rPr lang="en-US" sz="2600" b="0" i="1" dirty="0">
-                <a:solidFill>
-                  <a:srgbClr val="000000"/>
-                </a:solidFill>
-                <a:effectLst/>
-              </a:rPr>
-              <a:t> column2, column3,...</a:t>
-            </a:r>
-            <a:br>
-              <a:rPr lang="en-US" sz="2600" dirty="0"/>
-            </a:br>
-            <a:r>
-              <a:rPr lang="en-US" sz="2600" dirty="0"/>
-              <a:t>	</a:t>
-            </a:r>
-            <a:r>
-              <a:rPr lang="en-US" sz="2600" b="1" i="0" dirty="0">
-                <a:solidFill>
-                  <a:srgbClr val="0000CD"/>
-                </a:solidFill>
-                <a:effectLst/>
-              </a:rPr>
-              <a:t>FROM</a:t>
-            </a:r>
-            <a:r>
-              <a:rPr lang="en-US" sz="2600" b="0" i="0" dirty="0">
-                <a:solidFill>
-                  <a:srgbClr val="000000"/>
-                </a:solidFill>
-                <a:effectLst/>
-              </a:rPr>
-              <a:t> </a:t>
-            </a:r>
-            <a:r>
-              <a:rPr lang="en-US" sz="2600" b="0" i="1" dirty="0" err="1">
-                <a:solidFill>
-                  <a:srgbClr val="000000"/>
-                </a:solidFill>
-                <a:effectLst/>
-              </a:rPr>
-              <a:t>table_name</a:t>
-            </a:r>
-            <a:endParaRPr lang="en-US" sz="2600" b="0" i="1" dirty="0">
-              <a:solidFill>
-                <a:srgbClr val="000000"/>
-              </a:solidFill>
-              <a:effectLst/>
-            </a:endParaRPr>
-          </a:p>
-          <a:p>
-            <a:pPr marL="114300" indent="0">
-              <a:buNone/>
-            </a:pPr>
-            <a:r>
-              <a:rPr lang="en-US" sz="2600" i="1" dirty="0">
-                <a:solidFill>
-                  <a:srgbClr val="000000"/>
-                </a:solidFill>
-              </a:rPr>
-              <a:t>	</a:t>
-            </a:r>
-            <a:r>
-              <a:rPr lang="en-US" sz="2600" b="1" dirty="0">
-                <a:solidFill>
-                  <a:srgbClr val="0000CD"/>
-                </a:solidFill>
-              </a:rPr>
-              <a:t>ORDER BY</a:t>
-            </a:r>
-            <a:r>
-              <a:rPr lang="en-US" sz="2600" dirty="0">
-                <a:solidFill>
-                  <a:srgbClr val="000000"/>
-                </a:solidFill>
-              </a:rPr>
-              <a:t> col-1, col-2…</a:t>
-            </a:r>
-            <a:r>
-              <a:rPr lang="en-US" sz="2600" b="1" dirty="0">
-                <a:solidFill>
-                  <a:srgbClr val="0000CD"/>
-                </a:solidFill>
-              </a:rPr>
-              <a:t>ASC|DESC</a:t>
-            </a:r>
-            <a:r>
-              <a:rPr lang="en-US" sz="2600" i="0" dirty="0">
-                <a:solidFill>
-                  <a:srgbClr val="000000"/>
-                </a:solidFill>
-                <a:effectLst/>
-              </a:rPr>
-              <a:t>;</a:t>
-            </a:r>
-          </a:p>
-          <a:p>
-            <a:pPr marL="114300" indent="0">
-              <a:buNone/>
-            </a:pPr>
-            <a:endParaRPr lang="en-US" sz="2600" dirty="0"/>
-          </a:p>
-        </p:txBody>
-      </p:sp>
-    </p:spTree>
-    <p:extLst>
-      <p:ext uri="{BB962C8B-B14F-4D97-AF65-F5344CB8AC3E}">
-        <p14:creationId xmlns:p14="http://schemas.microsoft.com/office/powerpoint/2010/main" val="3953277918"/>
       </p:ext>
     </p:extLst>
   </p:cSld>
@@ -34327,6 +34234,59 @@
       </p:cxnSp>
       <p:sp>
         <p:nvSpPr>
+          <p:cNvPr id="4" name="TextBox 3">
+            <a:extLst>
+              <a:ext uri="{FF2B5EF4-FFF2-40B4-BE49-F238E27FC236}">
+                <a16:creationId xmlns:a16="http://schemas.microsoft.com/office/drawing/2014/main" id="{64B616DD-E41D-5A8D-5993-DFD169F91FD7}"/>
+              </a:ext>
+            </a:extLst>
+          </p:cNvPr>
+          <p:cNvSpPr txBox="1"/>
+          <p:nvPr/>
+        </p:nvSpPr>
+        <p:spPr>
+          <a:xfrm>
+            <a:off x="301623" y="2064791"/>
+            <a:ext cx="8509002" cy="2492990"/>
+          </a:xfrm>
+          <a:prstGeom prst="rect">
+            <a:avLst/>
+          </a:prstGeom>
+          <a:noFill/>
+        </p:spPr>
+        <p:txBody>
+          <a:bodyPr wrap="square">
+            <a:spAutoFit/>
+          </a:bodyPr>
+          <a:lstStyle/>
+          <a:p>
+            <a:pPr marL="114300" indent="0">
+              <a:buNone/>
+            </a:pPr>
+            <a:r>
+              <a:rPr lang="en-US" sz="2600" dirty="0"/>
+              <a:t>The ORDER BY keyword is used to sort the result-set in ascending or descending order.</a:t>
+            </a:r>
+          </a:p>
+          <a:p>
+            <a:pPr marL="114300" indent="0">
+              <a:buNone/>
+            </a:pPr>
+            <a:endParaRPr lang="en-US" sz="2600" dirty="0"/>
+          </a:p>
+          <a:p>
+            <a:pPr marL="114300" indent="0">
+              <a:buNone/>
+            </a:pPr>
+            <a:r>
+              <a:rPr lang="en-US" sz="2600" dirty="0"/>
+              <a:t>The ORDER BY keyword sorts the records in ascending order by default. To sort the records in descending order, use the DESC keyword.</a:t>
+            </a:r>
+          </a:p>
+        </p:txBody>
+      </p:sp>
+      <p:sp>
+        <p:nvSpPr>
           <p:cNvPr id="3" name="TextBox 2">
             <a:extLst>
               <a:ext uri="{FF2B5EF4-FFF2-40B4-BE49-F238E27FC236}">
@@ -34339,8 +34299,8 @@
         </p:nvSpPr>
         <p:spPr>
           <a:xfrm>
-            <a:off x="4896465" y="2213123"/>
-            <a:ext cx="3935638" cy="1754326"/>
+            <a:off x="2870404" y="4266840"/>
+            <a:ext cx="5838826" cy="2492990"/>
           </a:xfrm>
           <a:prstGeom prst="rect">
             <a:avLst/>
@@ -34359,7 +34319,7 @@
               <a:buNone/>
             </a:pPr>
             <a:r>
-              <a:rPr lang="en-US" b="0" i="0" u="sng" dirty="0">
+              <a:rPr lang="en-US" sz="2600" b="0" i="0" u="sng" dirty="0">
                 <a:solidFill>
                   <a:srgbClr val="000000"/>
                 </a:solidFill>
@@ -34373,7 +34333,7 @@
               <a:buNone/>
             </a:pPr>
             <a:r>
-              <a:rPr lang="en-US" b="0" i="0" dirty="0">
+              <a:rPr lang="en-US" sz="2600" b="0" i="0" dirty="0">
                 <a:solidFill>
                   <a:srgbClr val="0000CD"/>
                 </a:solidFill>
@@ -34382,7 +34342,7 @@
               <a:t>	</a:t>
             </a:r>
             <a:r>
-              <a:rPr lang="en-US" b="1" i="0" dirty="0">
+              <a:rPr lang="en-US" sz="2600" b="1" i="0" dirty="0">
                 <a:solidFill>
                   <a:srgbClr val="0000CD"/>
                 </a:solidFill>
@@ -34391,7 +34351,7 @@
               <a:t>SELECT</a:t>
             </a:r>
             <a:r>
-              <a:rPr lang="en-US" b="1" i="0" dirty="0">
+              <a:rPr lang="en-US" sz="2600" b="1" i="0" dirty="0">
                 <a:solidFill>
                   <a:srgbClr val="000000"/>
                 </a:solidFill>
@@ -34405,7 +34365,7 @@
               <a:buNone/>
             </a:pPr>
             <a:r>
-              <a:rPr lang="en-US" dirty="0">
+              <a:rPr lang="en-US" sz="2600" dirty="0">
                 <a:solidFill>
                   <a:srgbClr val="000000"/>
                 </a:solidFill>
@@ -34413,7 +34373,7 @@
               <a:t>		</a:t>
             </a:r>
             <a:r>
-              <a:rPr lang="en-US" b="0" i="1" dirty="0">
+              <a:rPr lang="en-US" sz="2600" b="0" i="1" dirty="0">
                 <a:solidFill>
                   <a:srgbClr val="000000"/>
                 </a:solidFill>
@@ -34422,7 +34382,7 @@
               <a:t>column1</a:t>
             </a:r>
             <a:r>
-              <a:rPr lang="en-US" b="0" i="0" dirty="0">
+              <a:rPr lang="en-US" sz="2600" b="0" i="0" dirty="0">
                 <a:solidFill>
                   <a:srgbClr val="000000"/>
                 </a:solidFill>
@@ -34431,23 +34391,23 @@
               <a:t>,</a:t>
             </a:r>
             <a:r>
-              <a:rPr lang="en-US" b="0" i="1" dirty="0">
+              <a:rPr lang="en-US" sz="2600" b="0" i="1" dirty="0">
                 <a:solidFill>
                   <a:srgbClr val="000000"/>
                 </a:solidFill>
                 <a:effectLst/>
               </a:rPr>
-              <a:t> column2,,...</a:t>
+              <a:t> column2, column3,...</a:t>
             </a:r>
             <a:br>
-              <a:rPr lang="en-US" dirty="0"/>
+              <a:rPr lang="en-US" sz="2600" dirty="0"/>
             </a:br>
             <a:r>
-              <a:rPr lang="en-US" dirty="0"/>
+              <a:rPr lang="en-US" sz="2600" dirty="0"/>
               <a:t>	</a:t>
             </a:r>
             <a:r>
-              <a:rPr lang="en-US" b="1" i="0" dirty="0">
+              <a:rPr lang="en-US" sz="2600" b="1" i="0" dirty="0">
                 <a:solidFill>
                   <a:srgbClr val="0000CD"/>
                 </a:solidFill>
@@ -34456,7 +34416,7 @@
               <a:t>FROM</a:t>
             </a:r>
             <a:r>
-              <a:rPr lang="en-US" b="0" i="0" dirty="0">
+              <a:rPr lang="en-US" sz="2600" b="0" i="0" dirty="0">
                 <a:solidFill>
                   <a:srgbClr val="000000"/>
                 </a:solidFill>
@@ -34465,7 +34425,7 @@
               <a:t> </a:t>
             </a:r>
             <a:r>
-              <a:rPr lang="en-US" b="0" i="1" dirty="0" err="1">
+              <a:rPr lang="en-US" sz="2600" b="0" i="1" dirty="0" err="1">
                 <a:solidFill>
                   <a:srgbClr val="000000"/>
                 </a:solidFill>
@@ -34473,7 +34433,7 @@
               </a:rPr>
               <a:t>table_name</a:t>
             </a:r>
-            <a:endParaRPr lang="en-US" b="0" i="1" dirty="0">
+            <a:endParaRPr lang="en-US" sz="2600" b="0" i="1" dirty="0">
               <a:solidFill>
                 <a:srgbClr val="000000"/>
               </a:solidFill>
@@ -34485,7 +34445,7 @@
               <a:buNone/>
             </a:pPr>
             <a:r>
-              <a:rPr lang="en-US" i="1" dirty="0">
+              <a:rPr lang="en-US" sz="2600" i="1" dirty="0">
                 <a:solidFill>
                   <a:srgbClr val="000000"/>
                 </a:solidFill>
@@ -34493,7 +34453,7 @@
               <a:t>	</a:t>
             </a:r>
             <a:r>
-              <a:rPr lang="en-US" b="1" dirty="0">
+              <a:rPr lang="en-US" sz="2600" b="1" dirty="0">
                 <a:solidFill>
                   <a:srgbClr val="0000CD"/>
                 </a:solidFill>
@@ -34501,7 +34461,7 @@
               <a:t>ORDER BY</a:t>
             </a:r>
             <a:r>
-              <a:rPr lang="en-US" dirty="0">
+              <a:rPr lang="en-US" sz="2600" dirty="0">
                 <a:solidFill>
                   <a:srgbClr val="000000"/>
                 </a:solidFill>
@@ -34509,7 +34469,7 @@
               <a:t> col-1, col-2…</a:t>
             </a:r>
             <a:r>
-              <a:rPr lang="en-US" b="1" dirty="0">
+              <a:rPr lang="en-US" sz="2600" b="1" dirty="0">
                 <a:solidFill>
                   <a:srgbClr val="0000CD"/>
                 </a:solidFill>
@@ -34517,7 +34477,7 @@
               <a:t>ASC|DESC</a:t>
             </a:r>
             <a:r>
-              <a:rPr lang="en-US" i="0" dirty="0">
+              <a:rPr lang="en-US" sz="2600" i="0" dirty="0">
                 <a:solidFill>
                   <a:srgbClr val="000000"/>
                 </a:solidFill>
@@ -34530,143 +34490,14 @@
             <a:pPr marL="114300" indent="0">
               <a:buNone/>
             </a:pPr>
-            <a:endParaRPr lang="en-US" dirty="0"/>
-          </a:p>
-        </p:txBody>
-      </p:sp>
-      <p:sp>
-        <p:nvSpPr>
-          <p:cNvPr id="7" name="TextBox 6">
-            <a:extLst>
-              <a:ext uri="{FF2B5EF4-FFF2-40B4-BE49-F238E27FC236}">
-                <a16:creationId xmlns:a16="http://schemas.microsoft.com/office/drawing/2014/main" id="{45985DBA-03CC-1430-BB8E-65B3996612B7}"/>
-              </a:ext>
-            </a:extLst>
-          </p:cNvPr>
-          <p:cNvSpPr txBox="1"/>
-          <p:nvPr/>
-        </p:nvSpPr>
-        <p:spPr>
-          <a:xfrm>
-            <a:off x="311897" y="2370341"/>
-            <a:ext cx="5071264" cy="1292662"/>
-          </a:xfrm>
-          <a:prstGeom prst="rect">
-            <a:avLst/>
-          </a:prstGeom>
-          <a:noFill/>
-        </p:spPr>
-        <p:txBody>
-          <a:bodyPr wrap="square">
-            <a:spAutoFit/>
-          </a:bodyPr>
-          <a:lstStyle/>
-          <a:p>
-            <a:pPr marL="114300" indent="0">
-              <a:buNone/>
-            </a:pPr>
-            <a:r>
-              <a:rPr lang="en-US" sz="2600" b="1" dirty="0"/>
-              <a:t>Example:</a:t>
-            </a:r>
-            <a:endParaRPr kumimoji="0" lang="en-US" altLang="en-US" sz="2600" b="1" i="0" u="none" strike="noStrike" cap="none" normalizeH="0" baseline="0" dirty="0">
-              <a:ln>
-                <a:noFill/>
-              </a:ln>
-              <a:solidFill>
-                <a:srgbClr val="000000"/>
-              </a:solidFill>
-              <a:effectLst/>
-            </a:endParaRPr>
-          </a:p>
-          <a:p>
-            <a:pPr marL="114300" indent="0">
-              <a:buNone/>
-            </a:pPr>
-            <a:r>
-              <a:rPr lang="en-US" sz="2600" b="0" i="0" dirty="0">
-                <a:solidFill>
-                  <a:srgbClr val="0000CD"/>
-                </a:solidFill>
-                <a:effectLst/>
-              </a:rPr>
-              <a:t>SELECT</a:t>
-            </a:r>
-            <a:r>
-              <a:rPr lang="en-US" sz="2600" b="0" i="0" dirty="0">
-                <a:solidFill>
-                  <a:srgbClr val="000000"/>
-                </a:solidFill>
-                <a:effectLst/>
-              </a:rPr>
-              <a:t> </a:t>
-            </a:r>
-            <a:r>
-              <a:rPr lang="en-US" sz="2600" b="0" i="1" dirty="0">
-                <a:solidFill>
-                  <a:srgbClr val="000000"/>
-                </a:solidFill>
-                <a:effectLst/>
-              </a:rPr>
-              <a:t>* </a:t>
-            </a:r>
-            <a:r>
-              <a:rPr lang="en-US" sz="2600" b="0" i="0" dirty="0">
-                <a:solidFill>
-                  <a:srgbClr val="0000CD"/>
-                </a:solidFill>
-                <a:effectLst/>
-              </a:rPr>
-              <a:t>FROM</a:t>
-            </a:r>
-            <a:r>
-              <a:rPr lang="en-US" sz="2600" b="0" i="0" dirty="0">
-                <a:solidFill>
-                  <a:srgbClr val="000000"/>
-                </a:solidFill>
-                <a:effectLst/>
-              </a:rPr>
-              <a:t> </a:t>
-            </a:r>
-            <a:r>
-              <a:rPr lang="en-US" sz="2600" b="0" i="1" dirty="0" err="1">
-                <a:solidFill>
-                  <a:srgbClr val="000000"/>
-                </a:solidFill>
-                <a:effectLst/>
-              </a:rPr>
-              <a:t>student_details</a:t>
-            </a:r>
-            <a:br>
-              <a:rPr lang="en-US" sz="2600" dirty="0"/>
-            </a:br>
-            <a:r>
-              <a:rPr lang="en-US" sz="2600" dirty="0">
-                <a:solidFill>
-                  <a:srgbClr val="0000CD"/>
-                </a:solidFill>
-              </a:rPr>
-              <a:t>ORDER BY </a:t>
-            </a:r>
-            <a:r>
-              <a:rPr lang="en-US" sz="2600" dirty="0"/>
-              <a:t>USN </a:t>
-            </a:r>
-            <a:r>
-              <a:rPr lang="en-US" sz="2600" dirty="0">
-                <a:solidFill>
-                  <a:srgbClr val="0000CD"/>
-                </a:solidFill>
-              </a:rPr>
-              <a:t>ASC;</a:t>
-            </a:r>
+            <a:endParaRPr lang="en-US" sz="2600" dirty="0"/>
           </a:p>
         </p:txBody>
       </p:sp>
     </p:spTree>
     <p:extLst>
       <p:ext uri="{BB962C8B-B14F-4D97-AF65-F5344CB8AC3E}">
-        <p14:creationId xmlns:p14="http://schemas.microsoft.com/office/powerpoint/2010/main" val="2432457648"/>
+        <p14:creationId xmlns:p14="http://schemas.microsoft.com/office/powerpoint/2010/main" val="3953277918"/>
       </p:ext>
     </p:extLst>
   </p:cSld>
@@ -35040,6 +34871,510 @@
       </p:sp>
       <p:sp>
         <p:nvSpPr>
+          <p:cNvPr id="7" name="TextBox 6">
+            <a:extLst>
+              <a:ext uri="{FF2B5EF4-FFF2-40B4-BE49-F238E27FC236}">
+                <a16:creationId xmlns:a16="http://schemas.microsoft.com/office/drawing/2014/main" id="{45985DBA-03CC-1430-BB8E-65B3996612B7}"/>
+              </a:ext>
+            </a:extLst>
+          </p:cNvPr>
+          <p:cNvSpPr txBox="1"/>
+          <p:nvPr/>
+        </p:nvSpPr>
+        <p:spPr>
+          <a:xfrm>
+            <a:off x="311897" y="2370341"/>
+            <a:ext cx="5071264" cy="1292662"/>
+          </a:xfrm>
+          <a:prstGeom prst="rect">
+            <a:avLst/>
+          </a:prstGeom>
+          <a:noFill/>
+        </p:spPr>
+        <p:txBody>
+          <a:bodyPr wrap="square">
+            <a:spAutoFit/>
+          </a:bodyPr>
+          <a:lstStyle/>
+          <a:p>
+            <a:pPr marL="114300" indent="0">
+              <a:buNone/>
+            </a:pPr>
+            <a:r>
+              <a:rPr lang="en-US" sz="2600" b="1" dirty="0"/>
+              <a:t>Example:</a:t>
+            </a:r>
+            <a:endParaRPr kumimoji="0" lang="en-US" altLang="en-US" sz="2600" b="1" i="0" u="none" strike="noStrike" cap="none" normalizeH="0" baseline="0" dirty="0">
+              <a:ln>
+                <a:noFill/>
+              </a:ln>
+              <a:solidFill>
+                <a:srgbClr val="000000"/>
+              </a:solidFill>
+              <a:effectLst/>
+            </a:endParaRPr>
+          </a:p>
+          <a:p>
+            <a:pPr marL="114300" indent="0">
+              <a:buNone/>
+            </a:pPr>
+            <a:r>
+              <a:rPr lang="en-US" sz="2600" b="0" i="0" dirty="0">
+                <a:solidFill>
+                  <a:srgbClr val="0000CD"/>
+                </a:solidFill>
+                <a:effectLst/>
+              </a:rPr>
+              <a:t>SELECT</a:t>
+            </a:r>
+            <a:r>
+              <a:rPr lang="en-US" sz="2600" b="0" i="0" dirty="0">
+                <a:solidFill>
+                  <a:srgbClr val="000000"/>
+                </a:solidFill>
+                <a:effectLst/>
+              </a:rPr>
+              <a:t> </a:t>
+            </a:r>
+            <a:r>
+              <a:rPr lang="en-US" sz="2600" b="0" i="1" dirty="0">
+                <a:solidFill>
+                  <a:srgbClr val="000000"/>
+                </a:solidFill>
+                <a:effectLst/>
+              </a:rPr>
+              <a:t>* </a:t>
+            </a:r>
+            <a:r>
+              <a:rPr lang="en-US" sz="2600" b="0" i="0" dirty="0">
+                <a:solidFill>
+                  <a:srgbClr val="0000CD"/>
+                </a:solidFill>
+                <a:effectLst/>
+              </a:rPr>
+              <a:t>FROM</a:t>
+            </a:r>
+            <a:r>
+              <a:rPr lang="en-US" sz="2600" b="0" i="0" dirty="0">
+                <a:solidFill>
+                  <a:srgbClr val="000000"/>
+                </a:solidFill>
+                <a:effectLst/>
+              </a:rPr>
+              <a:t> </a:t>
+            </a:r>
+            <a:r>
+              <a:rPr lang="en-US" sz="2600" b="0" i="1" dirty="0" err="1">
+                <a:solidFill>
+                  <a:srgbClr val="000000"/>
+                </a:solidFill>
+                <a:effectLst/>
+              </a:rPr>
+              <a:t>student_details</a:t>
+            </a:r>
+            <a:br>
+              <a:rPr lang="en-US" sz="2600" dirty="0"/>
+            </a:br>
+            <a:r>
+              <a:rPr lang="en-US" sz="2600" dirty="0">
+                <a:solidFill>
+                  <a:srgbClr val="0000CD"/>
+                </a:solidFill>
+              </a:rPr>
+              <a:t>ORDER BY </a:t>
+            </a:r>
+            <a:r>
+              <a:rPr lang="en-US" sz="2600" dirty="0"/>
+              <a:t>USN </a:t>
+            </a:r>
+            <a:r>
+              <a:rPr lang="en-US" sz="2600" dirty="0">
+                <a:solidFill>
+                  <a:srgbClr val="0000CD"/>
+                </a:solidFill>
+              </a:rPr>
+              <a:t>ASC;</a:t>
+            </a:r>
+          </a:p>
+        </p:txBody>
+      </p:sp>
+    </p:spTree>
+    <p:extLst>
+      <p:ext uri="{BB962C8B-B14F-4D97-AF65-F5344CB8AC3E}">
+        <p14:creationId xmlns:p14="http://schemas.microsoft.com/office/powerpoint/2010/main" val="2432457648"/>
+      </p:ext>
+    </p:extLst>
+  </p:cSld>
+  <p:clrMapOvr>
+    <a:masterClrMapping/>
+  </p:clrMapOvr>
+</p:sld>
+</file>
+
+<file path=ppt/slides/slide52.xml><?xml version="1.0" encoding="utf-8"?>
+<p:sld xmlns:a="http://schemas.openxmlformats.org/drawingml/2006/main" xmlns:r="http://schemas.openxmlformats.org/officeDocument/2006/relationships" xmlns:p="http://schemas.openxmlformats.org/presentationml/2006/main">
+  <p:cSld>
+    <p:spTree>
+      <p:nvGrpSpPr>
+        <p:cNvPr id="1" name=""/>
+        <p:cNvGrpSpPr/>
+        <p:nvPr/>
+      </p:nvGrpSpPr>
+      <p:grpSpPr>
+        <a:xfrm>
+          <a:off x="0" y="0"/>
+          <a:ext cx="0" cy="0"/>
+          <a:chOff x="0" y="0"/>
+          <a:chExt cx="0" cy="0"/>
+        </a:xfrm>
+      </p:grpSpPr>
+      <p:sp>
+        <p:nvSpPr>
+          <p:cNvPr id="2" name="Title 1">
+            <a:extLst>
+              <a:ext uri="{FF2B5EF4-FFF2-40B4-BE49-F238E27FC236}">
+                <a16:creationId xmlns:a16="http://schemas.microsoft.com/office/drawing/2014/main" id="{1B0E7528-F0A1-EE48-D3FD-F2F7E07542CC}"/>
+              </a:ext>
+            </a:extLst>
+          </p:cNvPr>
+          <p:cNvSpPr>
+            <a:spLocks noGrp="1"/>
+          </p:cNvSpPr>
+          <p:nvPr>
+            <p:ph type="title"/>
+          </p:nvPr>
+        </p:nvSpPr>
+        <p:spPr>
+          <a:xfrm>
+            <a:off x="520152" y="374651"/>
+            <a:ext cx="8108951" cy="1325563"/>
+          </a:xfrm>
+        </p:spPr>
+        <p:txBody>
+          <a:bodyPr>
+            <a:normAutofit/>
+          </a:bodyPr>
+          <a:lstStyle/>
+          <a:p>
+            <a:r>
+              <a:rPr lang="en-US" sz="4000" dirty="0">
+                <a:latin typeface="+mn-lt"/>
+              </a:rPr>
+              <a:t>ORDER BY</a:t>
+            </a:r>
+            <a:endParaRPr lang="en-US" sz="4000" dirty="0"/>
+          </a:p>
+        </p:txBody>
+      </p:sp>
+      <p:sp>
+        <p:nvSpPr>
+          <p:cNvPr id="5" name="Rectangle: Top Corners Rounded 4">
+            <a:extLst>
+              <a:ext uri="{FF2B5EF4-FFF2-40B4-BE49-F238E27FC236}">
+                <a16:creationId xmlns:a16="http://schemas.microsoft.com/office/drawing/2014/main" id="{F7B8CC30-D7B0-36B7-EE92-26AC5FA2CAF4}"/>
+              </a:ext>
+            </a:extLst>
+          </p:cNvPr>
+          <p:cNvSpPr/>
+          <p:nvPr/>
+        </p:nvSpPr>
+        <p:spPr>
+          <a:xfrm>
+            <a:off x="520152" y="1544719"/>
+            <a:ext cx="3566073" cy="501445"/>
+          </a:xfrm>
+          <a:prstGeom prst="round2SameRect">
+            <a:avLst/>
+          </a:prstGeom>
+          <a:solidFill>
+            <a:schemeClr val="accent1">
+              <a:lumMod val="50000"/>
+            </a:schemeClr>
+          </a:solidFill>
+        </p:spPr>
+        <p:style>
+          <a:lnRef idx="2">
+            <a:schemeClr val="accent1">
+              <a:shade val="50000"/>
+            </a:schemeClr>
+          </a:lnRef>
+          <a:fillRef idx="1">
+            <a:schemeClr val="accent1"/>
+          </a:fillRef>
+          <a:effectRef idx="0">
+            <a:schemeClr val="accent1"/>
+          </a:effectRef>
+          <a:fontRef idx="minor">
+            <a:schemeClr val="lt1"/>
+          </a:fontRef>
+        </p:style>
+        <p:txBody>
+          <a:bodyPr rtlCol="0" anchor="ctr"/>
+          <a:lstStyle/>
+          <a:p>
+            <a:r>
+              <a:rPr lang="en-US" sz="2800" dirty="0"/>
+              <a:t>Sorting</a:t>
+            </a:r>
+          </a:p>
+        </p:txBody>
+      </p:sp>
+      <p:cxnSp>
+        <p:nvCxnSpPr>
+          <p:cNvPr id="9" name="Straight Connector 8">
+            <a:extLst>
+              <a:ext uri="{FF2B5EF4-FFF2-40B4-BE49-F238E27FC236}">
+                <a16:creationId xmlns:a16="http://schemas.microsoft.com/office/drawing/2014/main" id="{4225CC20-A767-84DD-7C43-FC175E2AF493}"/>
+              </a:ext>
+            </a:extLst>
+          </p:cNvPr>
+          <p:cNvCxnSpPr>
+            <a:cxnSpLocks/>
+          </p:cNvCxnSpPr>
+          <p:nvPr/>
+        </p:nvCxnSpPr>
+        <p:spPr>
+          <a:xfrm>
+            <a:off x="520152" y="2035277"/>
+            <a:ext cx="7995198" cy="0"/>
+          </a:xfrm>
+          <a:prstGeom prst="line">
+            <a:avLst/>
+          </a:prstGeom>
+          <a:ln>
+            <a:solidFill>
+              <a:schemeClr val="accent1">
+                <a:lumMod val="50000"/>
+              </a:schemeClr>
+            </a:solidFill>
+          </a:ln>
+        </p:spPr>
+        <p:style>
+          <a:lnRef idx="3">
+            <a:schemeClr val="accent1"/>
+          </a:lnRef>
+          <a:fillRef idx="0">
+            <a:schemeClr val="accent1"/>
+          </a:fillRef>
+          <a:effectRef idx="2">
+            <a:schemeClr val="accent1"/>
+          </a:effectRef>
+          <a:fontRef idx="minor">
+            <a:schemeClr val="tx1"/>
+          </a:fontRef>
+        </p:style>
+      </p:cxnSp>
+      <p:sp>
+        <p:nvSpPr>
+          <p:cNvPr id="3" name="TextBox 2">
+            <a:extLst>
+              <a:ext uri="{FF2B5EF4-FFF2-40B4-BE49-F238E27FC236}">
+                <a16:creationId xmlns:a16="http://schemas.microsoft.com/office/drawing/2014/main" id="{69792D70-4DEA-6D13-E6EF-153D9EAF5D21}"/>
+              </a:ext>
+            </a:extLst>
+          </p:cNvPr>
+          <p:cNvSpPr txBox="1"/>
+          <p:nvPr/>
+        </p:nvSpPr>
+        <p:spPr>
+          <a:xfrm>
+            <a:off x="4896465" y="2213123"/>
+            <a:ext cx="3935638" cy="1754326"/>
+          </a:xfrm>
+          <a:prstGeom prst="rect">
+            <a:avLst/>
+          </a:prstGeom>
+          <a:solidFill>
+            <a:schemeClr val="bg2"/>
+          </a:solidFill>
+        </p:spPr>
+        <p:txBody>
+          <a:bodyPr wrap="square">
+            <a:spAutoFit/>
+          </a:bodyPr>
+          <a:lstStyle/>
+          <a:p>
+            <a:pPr marL="114300" indent="0">
+              <a:buNone/>
+            </a:pPr>
+            <a:r>
+              <a:rPr lang="en-US" b="0" i="0" u="sng" dirty="0">
+                <a:solidFill>
+                  <a:srgbClr val="000000"/>
+                </a:solidFill>
+                <a:effectLst/>
+              </a:rPr>
+              <a:t>Syntax:</a:t>
+            </a:r>
+          </a:p>
+          <a:p>
+            <a:pPr marL="114300" indent="0">
+              <a:buNone/>
+            </a:pPr>
+            <a:r>
+              <a:rPr lang="en-US" b="0" i="0" dirty="0">
+                <a:solidFill>
+                  <a:srgbClr val="0000CD"/>
+                </a:solidFill>
+                <a:effectLst/>
+              </a:rPr>
+              <a:t>	</a:t>
+            </a:r>
+            <a:r>
+              <a:rPr lang="en-US" b="1" i="0" dirty="0">
+                <a:solidFill>
+                  <a:srgbClr val="0000CD"/>
+                </a:solidFill>
+                <a:effectLst/>
+              </a:rPr>
+              <a:t>SELECT</a:t>
+            </a:r>
+            <a:r>
+              <a:rPr lang="en-US" b="1" i="0" dirty="0">
+                <a:solidFill>
+                  <a:srgbClr val="000000"/>
+                </a:solidFill>
+                <a:effectLst/>
+              </a:rPr>
+              <a:t> </a:t>
+            </a:r>
+          </a:p>
+          <a:p>
+            <a:pPr marL="114300" indent="0">
+              <a:buNone/>
+            </a:pPr>
+            <a:r>
+              <a:rPr lang="en-US" dirty="0">
+                <a:solidFill>
+                  <a:srgbClr val="000000"/>
+                </a:solidFill>
+              </a:rPr>
+              <a:t>		</a:t>
+            </a:r>
+            <a:r>
+              <a:rPr lang="en-US" b="0" i="1" dirty="0">
+                <a:solidFill>
+                  <a:srgbClr val="000000"/>
+                </a:solidFill>
+                <a:effectLst/>
+              </a:rPr>
+              <a:t>column1</a:t>
+            </a:r>
+            <a:r>
+              <a:rPr lang="en-US" b="0" i="0" dirty="0">
+                <a:solidFill>
+                  <a:srgbClr val="000000"/>
+                </a:solidFill>
+                <a:effectLst/>
+              </a:rPr>
+              <a:t>,</a:t>
+            </a:r>
+            <a:r>
+              <a:rPr lang="en-US" b="0" i="1" dirty="0">
+                <a:solidFill>
+                  <a:srgbClr val="000000"/>
+                </a:solidFill>
+                <a:effectLst/>
+              </a:rPr>
+              <a:t> column2,,...</a:t>
+            </a:r>
+            <a:br>
+              <a:rPr lang="en-US" dirty="0"/>
+            </a:br>
+            <a:r>
+              <a:rPr lang="en-US" dirty="0"/>
+              <a:t>	</a:t>
+            </a:r>
+            <a:r>
+              <a:rPr lang="en-US" b="1" i="0" dirty="0">
+                <a:solidFill>
+                  <a:srgbClr val="0000CD"/>
+                </a:solidFill>
+                <a:effectLst/>
+              </a:rPr>
+              <a:t>FROM</a:t>
+            </a:r>
+            <a:r>
+              <a:rPr lang="en-US" b="0" i="0" dirty="0">
+                <a:solidFill>
+                  <a:srgbClr val="000000"/>
+                </a:solidFill>
+                <a:effectLst/>
+              </a:rPr>
+              <a:t> </a:t>
+            </a:r>
+            <a:r>
+              <a:rPr lang="en-US" b="0" i="1" dirty="0" err="1">
+                <a:solidFill>
+                  <a:srgbClr val="000000"/>
+                </a:solidFill>
+                <a:effectLst/>
+              </a:rPr>
+              <a:t>table_name</a:t>
+            </a:r>
+            <a:endParaRPr lang="en-US" b="0" i="1" dirty="0">
+              <a:solidFill>
+                <a:srgbClr val="000000"/>
+              </a:solidFill>
+              <a:effectLst/>
+            </a:endParaRPr>
+          </a:p>
+          <a:p>
+            <a:pPr marL="114300" indent="0">
+              <a:buNone/>
+            </a:pPr>
+            <a:r>
+              <a:rPr lang="en-US" i="1" dirty="0">
+                <a:solidFill>
+                  <a:srgbClr val="000000"/>
+                </a:solidFill>
+              </a:rPr>
+              <a:t>	</a:t>
+            </a:r>
+            <a:r>
+              <a:rPr lang="en-US" b="1" dirty="0">
+                <a:solidFill>
+                  <a:srgbClr val="0000CD"/>
+                </a:solidFill>
+              </a:rPr>
+              <a:t>ORDER BY</a:t>
+            </a:r>
+            <a:r>
+              <a:rPr lang="en-US" dirty="0">
+                <a:solidFill>
+                  <a:srgbClr val="000000"/>
+                </a:solidFill>
+              </a:rPr>
+              <a:t> col-1, col-2…</a:t>
+            </a:r>
+            <a:r>
+              <a:rPr lang="en-US" b="1" dirty="0">
+                <a:solidFill>
+                  <a:srgbClr val="0000CD"/>
+                </a:solidFill>
+              </a:rPr>
+              <a:t>ASC|DESC</a:t>
+            </a:r>
+            <a:r>
+              <a:rPr lang="en-US" i="0" dirty="0">
+                <a:solidFill>
+                  <a:srgbClr val="000000"/>
+                </a:solidFill>
+                <a:effectLst/>
+              </a:rPr>
+              <a:t>;</a:t>
+            </a:r>
+          </a:p>
+          <a:p>
+            <a:pPr marL="114300" indent="0">
+              <a:buNone/>
+            </a:pPr>
+            <a:endParaRPr lang="en-US" dirty="0"/>
+          </a:p>
+        </p:txBody>
+      </p:sp>
+      <p:sp>
+        <p:nvSpPr>
           <p:cNvPr id="6" name="TextBox 5">
             <a:extLst>
               <a:ext uri="{FF2B5EF4-FFF2-40B4-BE49-F238E27FC236}">
@@ -35321,7 +35656,7 @@
 </p:sld>
 </file>
 
-<file path=ppt/slides/slide52.xml><?xml version="1.0" encoding="utf-8"?>
+<file path=ppt/slides/slide53.xml><?xml version="1.0" encoding="utf-8"?>
 <p:sld xmlns:a="http://schemas.openxmlformats.org/drawingml/2006/main" xmlns:r="http://schemas.openxmlformats.org/officeDocument/2006/relationships" xmlns:p="http://schemas.openxmlformats.org/presentationml/2006/main">
   <p:cSld>
     <p:spTree>
@@ -35686,7 +36021,7 @@
 </p:sld>
 </file>
 
-<file path=ppt/slides/slide53.xml><?xml version="1.0" encoding="utf-8"?>
+<file path=ppt/slides/slide54.xml><?xml version="1.0" encoding="utf-8"?>
 <p:sld xmlns:a="http://schemas.openxmlformats.org/drawingml/2006/main" xmlns:r="http://schemas.openxmlformats.org/officeDocument/2006/relationships" xmlns:p="http://schemas.openxmlformats.org/presentationml/2006/main">
   <p:cSld>
     <p:spTree>
